--- a/Springmaterial/ppts/Spring MVC.pptx
+++ b/Springmaterial/ppts/Spring MVC.pptx
@@ -4,6 +4,9 @@
   <p:sldMasterIdLst>
     <p:sldMasterId id="2147483677" r:id="rId1"/>
   </p:sldMasterIdLst>
+  <p:notesMasterIdLst>
+    <p:notesMasterId r:id="rId24"/>
+  </p:notesMasterIdLst>
   <p:sldIdLst>
     <p:sldId id="256" r:id="rId2"/>
     <p:sldId id="257" r:id="rId3"/>
@@ -12,20 +15,21 @@
     <p:sldId id="258" r:id="rId6"/>
     <p:sldId id="261" r:id="rId7"/>
     <p:sldId id="262" r:id="rId8"/>
-    <p:sldId id="269" r:id="rId9"/>
-    <p:sldId id="263" r:id="rId10"/>
-    <p:sldId id="264" r:id="rId11"/>
-    <p:sldId id="275" r:id="rId12"/>
-    <p:sldId id="265" r:id="rId13"/>
-    <p:sldId id="266" r:id="rId14"/>
-    <p:sldId id="270" r:id="rId15"/>
-    <p:sldId id="277" r:id="rId16"/>
-    <p:sldId id="271" r:id="rId17"/>
+    <p:sldId id="263" r:id="rId9"/>
+    <p:sldId id="278" r:id="rId10"/>
+    <p:sldId id="279" r:id="rId11"/>
+    <p:sldId id="264" r:id="rId12"/>
+    <p:sldId id="275" r:id="rId13"/>
+    <p:sldId id="265" r:id="rId14"/>
+    <p:sldId id="266" r:id="rId15"/>
+    <p:sldId id="270" r:id="rId16"/>
+    <p:sldId id="277" r:id="rId17"/>
     <p:sldId id="267" r:id="rId18"/>
     <p:sldId id="272" r:id="rId19"/>
     <p:sldId id="273" r:id="rId20"/>
     <p:sldId id="274" r:id="rId21"/>
-    <p:sldId id="276" r:id="rId22"/>
+    <p:sldId id="280" r:id="rId22"/>
+    <p:sldId id="276" r:id="rId23"/>
   </p:sldIdLst>
   <p:sldSz cx="12192000" cy="6858000"/>
   <p:notesSz cx="6858000" cy="9144000"/>
@@ -132,6 +136,356 @@
 </p:presentation>
 </file>
 
+<file path=ppt/notesMasters/notesMaster1.xml><?xml version="1.0" encoding="utf-8"?>
+<p:notesMaster xmlns:a="http://schemas.openxmlformats.org/drawingml/2006/main" xmlns:r="http://schemas.openxmlformats.org/officeDocument/2006/relationships" xmlns:p="http://schemas.openxmlformats.org/presentationml/2006/main">
+  <p:cSld>
+    <p:bg>
+      <p:bgRef idx="1001">
+        <a:schemeClr val="bg1"/>
+      </p:bgRef>
+    </p:bg>
+    <p:spTree>
+      <p:nvGrpSpPr>
+        <p:cNvPr id="1" name=""/>
+        <p:cNvGrpSpPr/>
+        <p:nvPr/>
+      </p:nvGrpSpPr>
+      <p:grpSpPr>
+        <a:xfrm>
+          <a:off x="0" y="0"/>
+          <a:ext cx="0" cy="0"/>
+          <a:chOff x="0" y="0"/>
+          <a:chExt cx="0" cy="0"/>
+        </a:xfrm>
+      </p:grpSpPr>
+      <p:sp>
+        <p:nvSpPr>
+          <p:cNvPr id="2" name="Header Placeholder 1"/>
+          <p:cNvSpPr>
+            <a:spLocks noGrp="1"/>
+          </p:cNvSpPr>
+          <p:nvPr>
+            <p:ph type="hdr" sz="quarter"/>
+          </p:nvPr>
+        </p:nvSpPr>
+        <p:spPr>
+          <a:xfrm>
+            <a:off x="0" y="0"/>
+            <a:ext cx="2971800" cy="458788"/>
+          </a:xfrm>
+          <a:prstGeom prst="rect">
+            <a:avLst/>
+          </a:prstGeom>
+        </p:spPr>
+        <p:txBody>
+          <a:bodyPr vert="horz" lIns="91440" tIns="45720" rIns="91440" bIns="45720" rtlCol="0"/>
+          <a:lstStyle>
+            <a:lvl1pPr algn="l">
+              <a:defRPr sz="1200"/>
+            </a:lvl1pPr>
+          </a:lstStyle>
+          <a:p>
+            <a:endParaRPr lang="en-IN"/>
+          </a:p>
+        </p:txBody>
+      </p:sp>
+      <p:sp>
+        <p:nvSpPr>
+          <p:cNvPr id="3" name="Date Placeholder 2"/>
+          <p:cNvSpPr>
+            <a:spLocks noGrp="1"/>
+          </p:cNvSpPr>
+          <p:nvPr>
+            <p:ph type="dt" idx="1"/>
+          </p:nvPr>
+        </p:nvSpPr>
+        <p:spPr>
+          <a:xfrm>
+            <a:off x="3884613" y="0"/>
+            <a:ext cx="2971800" cy="458788"/>
+          </a:xfrm>
+          <a:prstGeom prst="rect">
+            <a:avLst/>
+          </a:prstGeom>
+        </p:spPr>
+        <p:txBody>
+          <a:bodyPr vert="horz" lIns="91440" tIns="45720" rIns="91440" bIns="45720" rtlCol="0"/>
+          <a:lstStyle>
+            <a:lvl1pPr algn="r">
+              <a:defRPr sz="1200"/>
+            </a:lvl1pPr>
+          </a:lstStyle>
+          <a:p>
+            <a:fld id="{D54578A0-64C7-47FE-9EF4-089CE42AB236}" type="datetimeFigureOut">
+              <a:rPr lang="en-IN" smtClean="0"/>
+              <a:t>04-02-2022</a:t>
+            </a:fld>
+            <a:endParaRPr lang="en-IN"/>
+          </a:p>
+        </p:txBody>
+      </p:sp>
+      <p:sp>
+        <p:nvSpPr>
+          <p:cNvPr id="4" name="Slide Image Placeholder 3"/>
+          <p:cNvSpPr>
+            <a:spLocks noGrp="1" noRot="1" noChangeAspect="1"/>
+          </p:cNvSpPr>
+          <p:nvPr>
+            <p:ph type="sldImg" idx="2"/>
+          </p:nvPr>
+        </p:nvSpPr>
+        <p:spPr>
+          <a:xfrm>
+            <a:off x="685800" y="1143000"/>
+            <a:ext cx="5486400" cy="3086100"/>
+          </a:xfrm>
+          <a:prstGeom prst="rect">
+            <a:avLst/>
+          </a:prstGeom>
+          <a:noFill/>
+          <a:ln w="12700">
+            <a:solidFill>
+              <a:prstClr val="black"/>
+            </a:solidFill>
+          </a:ln>
+        </p:spPr>
+        <p:txBody>
+          <a:bodyPr vert="horz" lIns="91440" tIns="45720" rIns="91440" bIns="45720" rtlCol="0" anchor="ctr"/>
+          <a:lstStyle/>
+          <a:p>
+            <a:endParaRPr lang="en-IN"/>
+          </a:p>
+        </p:txBody>
+      </p:sp>
+      <p:sp>
+        <p:nvSpPr>
+          <p:cNvPr id="5" name="Notes Placeholder 4"/>
+          <p:cNvSpPr>
+            <a:spLocks noGrp="1"/>
+          </p:cNvSpPr>
+          <p:nvPr>
+            <p:ph type="body" sz="quarter" idx="3"/>
+          </p:nvPr>
+        </p:nvSpPr>
+        <p:spPr>
+          <a:xfrm>
+            <a:off x="685800" y="4400550"/>
+            <a:ext cx="5486400" cy="3600450"/>
+          </a:xfrm>
+          <a:prstGeom prst="rect">
+            <a:avLst/>
+          </a:prstGeom>
+        </p:spPr>
+        <p:txBody>
+          <a:bodyPr vert="horz" lIns="91440" tIns="45720" rIns="91440" bIns="45720" rtlCol="0"/>
+          <a:lstStyle/>
+          <a:p>
+            <a:pPr lvl="0"/>
+            <a:r>
+              <a:rPr lang="en-US"/>
+              <a:t>Click to edit Master text styles</a:t>
+            </a:r>
+          </a:p>
+          <a:p>
+            <a:pPr lvl="1"/>
+            <a:r>
+              <a:rPr lang="en-US"/>
+              <a:t>Second level</a:t>
+            </a:r>
+          </a:p>
+          <a:p>
+            <a:pPr lvl="2"/>
+            <a:r>
+              <a:rPr lang="en-US"/>
+              <a:t>Third level</a:t>
+            </a:r>
+          </a:p>
+          <a:p>
+            <a:pPr lvl="3"/>
+            <a:r>
+              <a:rPr lang="en-US"/>
+              <a:t>Fourth level</a:t>
+            </a:r>
+          </a:p>
+          <a:p>
+            <a:pPr lvl="4"/>
+            <a:r>
+              <a:rPr lang="en-US"/>
+              <a:t>Fifth level</a:t>
+            </a:r>
+            <a:endParaRPr lang="en-IN"/>
+          </a:p>
+        </p:txBody>
+      </p:sp>
+      <p:sp>
+        <p:nvSpPr>
+          <p:cNvPr id="6" name="Footer Placeholder 5"/>
+          <p:cNvSpPr>
+            <a:spLocks noGrp="1"/>
+          </p:cNvSpPr>
+          <p:nvPr>
+            <p:ph type="ftr" sz="quarter" idx="4"/>
+          </p:nvPr>
+        </p:nvSpPr>
+        <p:spPr>
+          <a:xfrm>
+            <a:off x="0" y="8685213"/>
+            <a:ext cx="2971800" cy="458787"/>
+          </a:xfrm>
+          <a:prstGeom prst="rect">
+            <a:avLst/>
+          </a:prstGeom>
+        </p:spPr>
+        <p:txBody>
+          <a:bodyPr vert="horz" lIns="91440" tIns="45720" rIns="91440" bIns="45720" rtlCol="0" anchor="b"/>
+          <a:lstStyle>
+            <a:lvl1pPr algn="l">
+              <a:defRPr sz="1200"/>
+            </a:lvl1pPr>
+          </a:lstStyle>
+          <a:p>
+            <a:endParaRPr lang="en-IN"/>
+          </a:p>
+        </p:txBody>
+      </p:sp>
+      <p:sp>
+        <p:nvSpPr>
+          <p:cNvPr id="7" name="Slide Number Placeholder 6"/>
+          <p:cNvSpPr>
+            <a:spLocks noGrp="1"/>
+          </p:cNvSpPr>
+          <p:nvPr>
+            <p:ph type="sldNum" sz="quarter" idx="5"/>
+          </p:nvPr>
+        </p:nvSpPr>
+        <p:spPr>
+          <a:xfrm>
+            <a:off x="3884613" y="8685213"/>
+            <a:ext cx="2971800" cy="458787"/>
+          </a:xfrm>
+          <a:prstGeom prst="rect">
+            <a:avLst/>
+          </a:prstGeom>
+        </p:spPr>
+        <p:txBody>
+          <a:bodyPr vert="horz" lIns="91440" tIns="45720" rIns="91440" bIns="45720" rtlCol="0" anchor="b"/>
+          <a:lstStyle>
+            <a:lvl1pPr algn="r">
+              <a:defRPr sz="1200"/>
+            </a:lvl1pPr>
+          </a:lstStyle>
+          <a:p>
+            <a:fld id="{6CA45D43-2C1D-4E29-9E76-AAA79124EF1A}" type="slidenum">
+              <a:rPr lang="en-IN" smtClean="0"/>
+              <a:t>‹#›</a:t>
+            </a:fld>
+            <a:endParaRPr lang="en-IN"/>
+          </a:p>
+        </p:txBody>
+      </p:sp>
+    </p:spTree>
+    <p:extLst>
+      <p:ext uri="{BB962C8B-B14F-4D97-AF65-F5344CB8AC3E}">
+        <p14:creationId xmlns:p14="http://schemas.microsoft.com/office/powerpoint/2010/main" val="657091573"/>
+      </p:ext>
+    </p:extLst>
+  </p:cSld>
+  <p:clrMap bg1="lt1" tx1="dk1" bg2="lt2" tx2="dk2" accent1="accent1" accent2="accent2" accent3="accent3" accent4="accent4" accent5="accent5" accent6="accent6" hlink="hlink" folHlink="folHlink"/>
+  <p:notesStyle>
+    <a:lvl1pPr marL="0" algn="l" defTabSz="914400" rtl="0" eaLnBrk="1" latinLnBrk="0" hangingPunct="1">
+      <a:defRPr sz="1200" kern="1200">
+        <a:solidFill>
+          <a:schemeClr val="tx1"/>
+        </a:solidFill>
+        <a:latin typeface="+mn-lt"/>
+        <a:ea typeface="+mn-ea"/>
+        <a:cs typeface="+mn-cs"/>
+      </a:defRPr>
+    </a:lvl1pPr>
+    <a:lvl2pPr marL="457200" algn="l" defTabSz="914400" rtl="0" eaLnBrk="1" latinLnBrk="0" hangingPunct="1">
+      <a:defRPr sz="1200" kern="1200">
+        <a:solidFill>
+          <a:schemeClr val="tx1"/>
+        </a:solidFill>
+        <a:latin typeface="+mn-lt"/>
+        <a:ea typeface="+mn-ea"/>
+        <a:cs typeface="+mn-cs"/>
+      </a:defRPr>
+    </a:lvl2pPr>
+    <a:lvl3pPr marL="914400" algn="l" defTabSz="914400" rtl="0" eaLnBrk="1" latinLnBrk="0" hangingPunct="1">
+      <a:defRPr sz="1200" kern="1200">
+        <a:solidFill>
+          <a:schemeClr val="tx1"/>
+        </a:solidFill>
+        <a:latin typeface="+mn-lt"/>
+        <a:ea typeface="+mn-ea"/>
+        <a:cs typeface="+mn-cs"/>
+      </a:defRPr>
+    </a:lvl3pPr>
+    <a:lvl4pPr marL="1371600" algn="l" defTabSz="914400" rtl="0" eaLnBrk="1" latinLnBrk="0" hangingPunct="1">
+      <a:defRPr sz="1200" kern="1200">
+        <a:solidFill>
+          <a:schemeClr val="tx1"/>
+        </a:solidFill>
+        <a:latin typeface="+mn-lt"/>
+        <a:ea typeface="+mn-ea"/>
+        <a:cs typeface="+mn-cs"/>
+      </a:defRPr>
+    </a:lvl4pPr>
+    <a:lvl5pPr marL="1828800" algn="l" defTabSz="914400" rtl="0" eaLnBrk="1" latinLnBrk="0" hangingPunct="1">
+      <a:defRPr sz="1200" kern="1200">
+        <a:solidFill>
+          <a:schemeClr val="tx1"/>
+        </a:solidFill>
+        <a:latin typeface="+mn-lt"/>
+        <a:ea typeface="+mn-ea"/>
+        <a:cs typeface="+mn-cs"/>
+      </a:defRPr>
+    </a:lvl5pPr>
+    <a:lvl6pPr marL="2286000" algn="l" defTabSz="914400" rtl="0" eaLnBrk="1" latinLnBrk="0" hangingPunct="1">
+      <a:defRPr sz="1200" kern="1200">
+        <a:solidFill>
+          <a:schemeClr val="tx1"/>
+        </a:solidFill>
+        <a:latin typeface="+mn-lt"/>
+        <a:ea typeface="+mn-ea"/>
+        <a:cs typeface="+mn-cs"/>
+      </a:defRPr>
+    </a:lvl6pPr>
+    <a:lvl7pPr marL="2743200" algn="l" defTabSz="914400" rtl="0" eaLnBrk="1" latinLnBrk="0" hangingPunct="1">
+      <a:defRPr sz="1200" kern="1200">
+        <a:solidFill>
+          <a:schemeClr val="tx1"/>
+        </a:solidFill>
+        <a:latin typeface="+mn-lt"/>
+        <a:ea typeface="+mn-ea"/>
+        <a:cs typeface="+mn-cs"/>
+      </a:defRPr>
+    </a:lvl7pPr>
+    <a:lvl8pPr marL="3200400" algn="l" defTabSz="914400" rtl="0" eaLnBrk="1" latinLnBrk="0" hangingPunct="1">
+      <a:defRPr sz="1200" kern="1200">
+        <a:solidFill>
+          <a:schemeClr val="tx1"/>
+        </a:solidFill>
+        <a:latin typeface="+mn-lt"/>
+        <a:ea typeface="+mn-ea"/>
+        <a:cs typeface="+mn-cs"/>
+      </a:defRPr>
+    </a:lvl8pPr>
+    <a:lvl9pPr marL="3657600" algn="l" defTabSz="914400" rtl="0" eaLnBrk="1" latinLnBrk="0" hangingPunct="1">
+      <a:defRPr sz="1200" kern="1200">
+        <a:solidFill>
+          <a:schemeClr val="tx1"/>
+        </a:solidFill>
+        <a:latin typeface="+mn-lt"/>
+        <a:ea typeface="+mn-ea"/>
+        <a:cs typeface="+mn-cs"/>
+      </a:defRPr>
+    </a:lvl9pPr>
+  </p:notesStyle>
+</p:notesMaster>
+</file>
+
 <file path=ppt/slideLayouts/slideLayout1.xml><?xml version="1.0" encoding="utf-8"?>
 <p:sldLayout xmlns:a="http://schemas.openxmlformats.org/drawingml/2006/main" xmlns:r="http://schemas.openxmlformats.org/officeDocument/2006/relationships" xmlns:p="http://schemas.openxmlformats.org/presentationml/2006/main" type="title" preserve="1">
   <p:cSld name="Title Slide">
@@ -269,9 +623,9 @@
           <a:bodyPr/>
           <a:lstStyle/>
           <a:p>
-            <a:fld id="{9855C062-41A4-4C77-9615-9280CD6E865A}" type="datetimeFigureOut">
+            <a:fld id="{845F8C6D-351B-46D8-8F00-D59A045066DC}" type="datetime1">
               <a:rPr lang="en-IN" smtClean="0"/>
-              <a:t>11-09-2019</a:t>
+              <a:t>04-02-2022</a:t>
             </a:fld>
             <a:endParaRPr lang="en-IN"/>
           </a:p>
@@ -297,6 +651,10 @@
           <a:bodyPr/>
           <a:lstStyle/>
           <a:p>
+            <a:r>
+              <a:rPr lang="en-US"/>
+              <a:t>Prepared by Radha V Krishna</a:t>
+            </a:r>
             <a:endParaRPr lang="en-IN"/>
           </a:p>
         </p:txBody>
@@ -480,9 +838,9 @@
           <a:bodyPr/>
           <a:lstStyle/>
           <a:p>
-            <a:fld id="{9855C062-41A4-4C77-9615-9280CD6E865A}" type="datetimeFigureOut">
+            <a:fld id="{986D7FB5-9E29-4BE5-92F2-43FF6BADF95B}" type="datetime1">
               <a:rPr lang="en-IN" smtClean="0"/>
-              <a:t>11-09-2019</a:t>
+              <a:t>04-02-2022</a:t>
             </a:fld>
             <a:endParaRPr lang="en-IN"/>
           </a:p>
@@ -503,6 +861,10 @@
           <a:bodyPr/>
           <a:lstStyle/>
           <a:p>
+            <a:r>
+              <a:rPr lang="en-US"/>
+              <a:t>Prepared by Radha V Krishna</a:t>
+            </a:r>
             <a:endParaRPr lang="en-IN"/>
           </a:p>
         </p:txBody>
@@ -695,9 +1057,9 @@
           <a:bodyPr/>
           <a:lstStyle/>
           <a:p>
-            <a:fld id="{9855C062-41A4-4C77-9615-9280CD6E865A}" type="datetimeFigureOut">
+            <a:fld id="{9CB23810-88D8-4DE6-AA93-7D7FC4F90A22}" type="datetime1">
               <a:rPr lang="en-IN" smtClean="0"/>
-              <a:t>11-09-2019</a:t>
+              <a:t>04-02-2022</a:t>
             </a:fld>
             <a:endParaRPr lang="en-IN"/>
           </a:p>
@@ -718,6 +1080,10 @@
           <a:bodyPr/>
           <a:lstStyle/>
           <a:p>
+            <a:r>
+              <a:rPr lang="en-US"/>
+              <a:t>Prepared by Radha V Krishna</a:t>
+            </a:r>
             <a:endParaRPr lang="en-IN"/>
           </a:p>
         </p:txBody>
@@ -896,9 +1262,9 @@
           <a:bodyPr/>
           <a:lstStyle/>
           <a:p>
-            <a:fld id="{9855C062-41A4-4C77-9615-9280CD6E865A}" type="datetimeFigureOut">
+            <a:fld id="{14F09AD1-DFFD-4924-AA60-EBA6F52B298F}" type="datetime1">
               <a:rPr lang="en-IN" smtClean="0"/>
-              <a:t>11-09-2019</a:t>
+              <a:t>04-02-2022</a:t>
             </a:fld>
             <a:endParaRPr lang="en-IN"/>
           </a:p>
@@ -919,6 +1285,10 @@
           <a:bodyPr/>
           <a:lstStyle/>
           <a:p>
+            <a:r>
+              <a:rPr lang="en-US"/>
+              <a:t>Prepared by Radha V Krishna</a:t>
+            </a:r>
             <a:endParaRPr lang="en-IN"/>
           </a:p>
         </p:txBody>
@@ -1175,9 +1545,9 @@
           <a:bodyPr/>
           <a:lstStyle/>
           <a:p>
-            <a:fld id="{9855C062-41A4-4C77-9615-9280CD6E865A}" type="datetimeFigureOut">
+            <a:fld id="{A6EEADC2-65AE-4B57-849F-39F467E02120}" type="datetime1">
               <a:rPr lang="en-IN" smtClean="0"/>
-              <a:t>11-09-2019</a:t>
+              <a:t>04-02-2022</a:t>
             </a:fld>
             <a:endParaRPr lang="en-IN"/>
           </a:p>
@@ -1198,6 +1568,10 @@
           <a:bodyPr/>
           <a:lstStyle/>
           <a:p>
+            <a:r>
+              <a:rPr lang="en-US"/>
+              <a:t>Prepared by Radha V Krishna</a:t>
+            </a:r>
             <a:endParaRPr lang="en-IN"/>
           </a:p>
         </p:txBody>
@@ -1443,9 +1817,9 @@
           <a:bodyPr/>
           <a:lstStyle/>
           <a:p>
-            <a:fld id="{9855C062-41A4-4C77-9615-9280CD6E865A}" type="datetimeFigureOut">
+            <a:fld id="{989B415A-243B-4D22-9720-66088FD01B2B}" type="datetime1">
               <a:rPr lang="en-IN" smtClean="0"/>
-              <a:t>11-09-2019</a:t>
+              <a:t>04-02-2022</a:t>
             </a:fld>
             <a:endParaRPr lang="en-IN"/>
           </a:p>
@@ -1466,6 +1840,10 @@
           <a:bodyPr/>
           <a:lstStyle/>
           <a:p>
+            <a:r>
+              <a:rPr lang="en-US"/>
+              <a:t>Prepared by Radha V Krishna</a:t>
+            </a:r>
             <a:endParaRPr lang="en-IN"/>
           </a:p>
         </p:txBody>
@@ -1859,9 +2237,9 @@
           <a:bodyPr/>
           <a:lstStyle/>
           <a:p>
-            <a:fld id="{9855C062-41A4-4C77-9615-9280CD6E865A}" type="datetimeFigureOut">
+            <a:fld id="{67F65EBD-04DA-42F6-9EA2-65009025365C}" type="datetime1">
               <a:rPr lang="en-IN" smtClean="0"/>
-              <a:t>11-09-2019</a:t>
+              <a:t>04-02-2022</a:t>
             </a:fld>
             <a:endParaRPr lang="en-IN"/>
           </a:p>
@@ -1882,6 +2260,10 @@
           <a:bodyPr/>
           <a:lstStyle/>
           <a:p>
+            <a:r>
+              <a:rPr lang="en-US"/>
+              <a:t>Prepared by Radha V Krishna</a:t>
+            </a:r>
             <a:endParaRPr lang="en-IN"/>
           </a:p>
         </p:txBody>
@@ -2008,9 +2390,9 @@
           <a:bodyPr/>
           <a:lstStyle/>
           <a:p>
-            <a:fld id="{9855C062-41A4-4C77-9615-9280CD6E865A}" type="datetimeFigureOut">
+            <a:fld id="{6AE80BC9-F940-4433-B3F8-60B5F292E65D}" type="datetime1">
               <a:rPr lang="en-IN" smtClean="0"/>
-              <a:t>11-09-2019</a:t>
+              <a:t>04-02-2022</a:t>
             </a:fld>
             <a:endParaRPr lang="en-IN"/>
           </a:p>
@@ -2031,6 +2413,10 @@
           <a:bodyPr/>
           <a:lstStyle/>
           <a:p>
+            <a:r>
+              <a:rPr lang="en-US"/>
+              <a:t>Prepared by Radha V Krishna</a:t>
+            </a:r>
             <a:endParaRPr lang="en-IN"/>
           </a:p>
         </p:txBody>
@@ -2134,9 +2520,9 @@
           <a:bodyPr/>
           <a:lstStyle/>
           <a:p>
-            <a:fld id="{9855C062-41A4-4C77-9615-9280CD6E865A}" type="datetimeFigureOut">
+            <a:fld id="{935A76E9-BBCC-4BC6-9327-2230DE12C2C7}" type="datetime1">
               <a:rPr lang="en-IN" smtClean="0"/>
-              <a:t>11-09-2019</a:t>
+              <a:t>04-02-2022</a:t>
             </a:fld>
             <a:endParaRPr lang="en-IN"/>
           </a:p>
@@ -2157,6 +2543,10 @@
           <a:bodyPr/>
           <a:lstStyle/>
           <a:p>
+            <a:r>
+              <a:rPr lang="en-US"/>
+              <a:t>Prepared by Radha V Krishna</a:t>
+            </a:r>
             <a:endParaRPr lang="en-IN"/>
           </a:p>
         </p:txBody>
@@ -2385,9 +2775,9 @@
           <a:bodyPr/>
           <a:lstStyle/>
           <a:p>
-            <a:fld id="{9855C062-41A4-4C77-9615-9280CD6E865A}" type="datetimeFigureOut">
+            <a:fld id="{FC4CFC05-A4C6-4907-B833-4EE686E5B14D}" type="datetime1">
               <a:rPr lang="en-IN" smtClean="0"/>
-              <a:t>11-09-2019</a:t>
+              <a:t>04-02-2022</a:t>
             </a:fld>
             <a:endParaRPr lang="en-IN"/>
           </a:p>
@@ -2408,6 +2798,10 @@
           <a:bodyPr/>
           <a:lstStyle/>
           <a:p>
+            <a:r>
+              <a:rPr lang="en-US"/>
+              <a:t>Prepared by Radha V Krishna</a:t>
+            </a:r>
             <a:endParaRPr lang="en-IN"/>
           </a:p>
         </p:txBody>
@@ -2830,9 +3224,9 @@
             </a:lvl1pPr>
           </a:lstStyle>
           <a:p>
-            <a:fld id="{9855C062-41A4-4C77-9615-9280CD6E865A}" type="datetimeFigureOut">
+            <a:fld id="{03622E1A-DBC3-47D0-9F45-4A7C5E03A86F}" type="datetime1">
               <a:rPr lang="en-IN" smtClean="0"/>
-              <a:t>11-09-2019</a:t>
+              <a:t>04-02-2022</a:t>
             </a:fld>
             <a:endParaRPr lang="en-IN"/>
           </a:p>
@@ -2858,6 +3252,10 @@
           <a:bodyPr/>
           <a:lstStyle/>
           <a:p>
+            <a:r>
+              <a:rPr lang="en-US"/>
+              <a:t>Prepared by Radha V Krishna</a:t>
+            </a:r>
             <a:endParaRPr lang="en-IN"/>
           </a:p>
         </p:txBody>
@@ -3157,9 +3555,9 @@
             </a:lvl1pPr>
           </a:lstStyle>
           <a:p>
-            <a:fld id="{9855C062-41A4-4C77-9615-9280CD6E865A}" type="datetimeFigureOut">
+            <a:fld id="{A206F143-E72C-4201-92B0-F4AC8F056DB8}" type="datetime1">
               <a:rPr lang="en-IN" smtClean="0"/>
-              <a:t>11-09-2019</a:t>
+              <a:t>04-02-2022</a:t>
             </a:fld>
             <a:endParaRPr lang="en-IN"/>
           </a:p>
@@ -3198,6 +3596,10 @@
             </a:lvl1pPr>
           </a:lstStyle>
           <a:p>
+            <a:r>
+              <a:rPr lang="en-US"/>
+              <a:t>Prepared by Radha V Krishna</a:t>
+            </a:r>
             <a:endParaRPr lang="en-IN"/>
           </a:p>
         </p:txBody>
@@ -3299,6 +3701,7 @@
     <p:sldLayoutId id="2147483687" r:id="rId10"/>
     <p:sldLayoutId id="2147483688" r:id="rId11"/>
   </p:sldLayoutIdLst>
+  <p:hf sldNum="0" hdr="0" dt="0"/>
   <p:txStyles>
     <p:titleStyle>
       <a:lvl1pPr algn="l" defTabSz="914400" rtl="0" eaLnBrk="1" latinLnBrk="0" hangingPunct="1">
@@ -3698,6 +4101,35 @@
           </a:p>
         </p:txBody>
       </p:sp>
+      <p:sp>
+        <p:nvSpPr>
+          <p:cNvPr id="3" name="Footer Placeholder 2">
+            <a:extLst>
+              <a:ext uri="{FF2B5EF4-FFF2-40B4-BE49-F238E27FC236}">
+                <a16:creationId xmlns:a16="http://schemas.microsoft.com/office/drawing/2014/main" id="{25644E03-452D-46C3-970F-5A0B231816BD}"/>
+              </a:ext>
+            </a:extLst>
+          </p:cNvPr>
+          <p:cNvSpPr>
+            <a:spLocks noGrp="1"/>
+          </p:cNvSpPr>
+          <p:nvPr>
+            <p:ph type="ftr" sz="quarter" idx="11"/>
+          </p:nvPr>
+        </p:nvSpPr>
+        <p:spPr/>
+        <p:txBody>
+          <a:bodyPr/>
+          <a:lstStyle/>
+          <a:p>
+            <a:r>
+              <a:rPr lang="en-US"/>
+              <a:t>Prepared by Radha V Krishna</a:t>
+            </a:r>
+            <a:endParaRPr lang="en-IN"/>
+          </a:p>
+        </p:txBody>
+      </p:sp>
     </p:spTree>
     <p:extLst>
       <p:ext uri="{BB962C8B-B14F-4D97-AF65-F5344CB8AC3E}">
@@ -3712,6 +4144,689 @@
 </file>
 
 <file path=ppt/slides/slide10.xml><?xml version="1.0" encoding="utf-8"?>
+<p:sld xmlns:a="http://schemas.openxmlformats.org/drawingml/2006/main" xmlns:r="http://schemas.openxmlformats.org/officeDocument/2006/relationships" xmlns:p="http://schemas.openxmlformats.org/presentationml/2006/main">
+  <p:cSld>
+    <p:spTree>
+      <p:nvGrpSpPr>
+        <p:cNvPr id="1" name=""/>
+        <p:cNvGrpSpPr/>
+        <p:nvPr/>
+      </p:nvGrpSpPr>
+      <p:grpSpPr>
+        <a:xfrm>
+          <a:off x="0" y="0"/>
+          <a:ext cx="0" cy="0"/>
+          <a:chOff x="0" y="0"/>
+          <a:chExt cx="0" cy="0"/>
+        </a:xfrm>
+      </p:grpSpPr>
+      <p:sp>
+        <p:nvSpPr>
+          <p:cNvPr id="3" name="TextBox 2">
+            <a:extLst>
+              <a:ext uri="{FF2B5EF4-FFF2-40B4-BE49-F238E27FC236}">
+                <a16:creationId xmlns:a16="http://schemas.microsoft.com/office/drawing/2014/main" id="{C7D6A861-31F6-4914-ABA6-97A2FD4963FC}"/>
+              </a:ext>
+            </a:extLst>
+          </p:cNvPr>
+          <p:cNvSpPr txBox="1"/>
+          <p:nvPr/>
+        </p:nvSpPr>
+        <p:spPr>
+          <a:xfrm>
+            <a:off x="1428750" y="342900"/>
+            <a:ext cx="7808118" cy="4557081"/>
+          </a:xfrm>
+          <a:prstGeom prst="rect">
+            <a:avLst/>
+          </a:prstGeom>
+          <a:noFill/>
+        </p:spPr>
+        <p:txBody>
+          <a:bodyPr wrap="square">
+            <a:spAutoFit/>
+          </a:bodyPr>
+          <a:lstStyle/>
+          <a:p>
+            <a:pPr>
+              <a:lnSpc>
+                <a:spcPct val="107000"/>
+              </a:lnSpc>
+              <a:spcAft>
+                <a:spcPts val="800"/>
+              </a:spcAft>
+            </a:pPr>
+            <a:r>
+              <a:rPr lang="en-IN" sz="1800" dirty="0">
+                <a:solidFill>
+                  <a:srgbClr val="646464"/>
+                </a:solidFill>
+                <a:effectLst/>
+                <a:latin typeface="Arial" panose="020B0604020202020204" pitchFamily="34" charset="0"/>
+                <a:ea typeface="Calibri" panose="020F0502020204030204" pitchFamily="34" charset="0"/>
+                <a:cs typeface="Times New Roman" panose="02020603050405020304" pitchFamily="18" charset="0"/>
+              </a:rPr>
+              <a:t>// In place of spring-servlet.xml</a:t>
+            </a:r>
+          </a:p>
+          <a:p>
+            <a:pPr>
+              <a:lnSpc>
+                <a:spcPct val="107000"/>
+              </a:lnSpc>
+              <a:spcAft>
+                <a:spcPts val="800"/>
+              </a:spcAft>
+            </a:pPr>
+            <a:r>
+              <a:rPr lang="en-IN" sz="1800" dirty="0">
+                <a:solidFill>
+                  <a:srgbClr val="646464"/>
+                </a:solidFill>
+                <a:effectLst/>
+                <a:latin typeface="Arial" panose="020B0604020202020204" pitchFamily="34" charset="0"/>
+                <a:ea typeface="Calibri" panose="020F0502020204030204" pitchFamily="34" charset="0"/>
+                <a:cs typeface="Times New Roman" panose="02020603050405020304" pitchFamily="18" charset="0"/>
+              </a:rPr>
+              <a:t>@Configuration</a:t>
+            </a:r>
+            <a:endParaRPr lang="en-IN" sz="1200" dirty="0">
+              <a:effectLst/>
+              <a:latin typeface="Calibri" panose="020F0502020204030204" pitchFamily="34" charset="0"/>
+              <a:ea typeface="Calibri" panose="020F0502020204030204" pitchFamily="34" charset="0"/>
+              <a:cs typeface="Times New Roman" panose="02020603050405020304" pitchFamily="18" charset="0"/>
+            </a:endParaRPr>
+          </a:p>
+          <a:p>
+            <a:pPr>
+              <a:lnSpc>
+                <a:spcPct val="107000"/>
+              </a:lnSpc>
+              <a:spcAft>
+                <a:spcPts val="800"/>
+              </a:spcAft>
+            </a:pPr>
+            <a:r>
+              <a:rPr lang="en-IN" sz="1800" dirty="0">
+                <a:solidFill>
+                  <a:srgbClr val="646464"/>
+                </a:solidFill>
+                <a:effectLst/>
+                <a:latin typeface="Arial" panose="020B0604020202020204" pitchFamily="34" charset="0"/>
+                <a:ea typeface="Calibri" panose="020F0502020204030204" pitchFamily="34" charset="0"/>
+                <a:cs typeface="Times New Roman" panose="02020603050405020304" pitchFamily="18" charset="0"/>
+              </a:rPr>
+              <a:t>@EnableWebMvc</a:t>
+            </a:r>
+            <a:endParaRPr lang="en-IN" sz="1200" dirty="0">
+              <a:effectLst/>
+              <a:latin typeface="Calibri" panose="020F0502020204030204" pitchFamily="34" charset="0"/>
+              <a:ea typeface="Calibri" panose="020F0502020204030204" pitchFamily="34" charset="0"/>
+              <a:cs typeface="Times New Roman" panose="02020603050405020304" pitchFamily="18" charset="0"/>
+            </a:endParaRPr>
+          </a:p>
+          <a:p>
+            <a:pPr>
+              <a:lnSpc>
+                <a:spcPct val="107000"/>
+              </a:lnSpc>
+              <a:spcAft>
+                <a:spcPts val="800"/>
+              </a:spcAft>
+            </a:pPr>
+            <a:r>
+              <a:rPr lang="en-IN" sz="1800" dirty="0">
+                <a:solidFill>
+                  <a:srgbClr val="646464"/>
+                </a:solidFill>
+                <a:effectLst/>
+                <a:latin typeface="Arial" panose="020B0604020202020204" pitchFamily="34" charset="0"/>
+                <a:ea typeface="Calibri" panose="020F0502020204030204" pitchFamily="34" charset="0"/>
+                <a:cs typeface="Times New Roman" panose="02020603050405020304" pitchFamily="18" charset="0"/>
+              </a:rPr>
+              <a:t>@ComponentScan</a:t>
+            </a:r>
+            <a:r>
+              <a:rPr lang="en-IN" sz="1800" dirty="0">
+                <a:solidFill>
+                  <a:srgbClr val="000000"/>
+                </a:solidFill>
+                <a:effectLst/>
+                <a:latin typeface="Arial" panose="020B0604020202020204" pitchFamily="34" charset="0"/>
+                <a:ea typeface="Calibri" panose="020F0502020204030204" pitchFamily="34" charset="0"/>
+                <a:cs typeface="Times New Roman" panose="02020603050405020304" pitchFamily="18" charset="0"/>
+              </a:rPr>
+              <a:t>(</a:t>
+            </a:r>
+            <a:r>
+              <a:rPr lang="en-IN" sz="1800" dirty="0">
+                <a:solidFill>
+                  <a:srgbClr val="2A00FF"/>
+                </a:solidFill>
+                <a:effectLst/>
+                <a:latin typeface="Arial" panose="020B0604020202020204" pitchFamily="34" charset="0"/>
+                <a:ea typeface="Calibri" panose="020F0502020204030204" pitchFamily="34" charset="0"/>
+                <a:cs typeface="Times New Roman" panose="02020603050405020304" pitchFamily="18" charset="0"/>
+              </a:rPr>
+              <a:t>"com.training.bookstore"</a:t>
+            </a:r>
+            <a:r>
+              <a:rPr lang="en-IN" sz="1800" dirty="0">
+                <a:solidFill>
+                  <a:srgbClr val="000000"/>
+                </a:solidFill>
+                <a:effectLst/>
+                <a:latin typeface="Arial" panose="020B0604020202020204" pitchFamily="34" charset="0"/>
+                <a:ea typeface="Calibri" panose="020F0502020204030204" pitchFamily="34" charset="0"/>
+                <a:cs typeface="Times New Roman" panose="02020603050405020304" pitchFamily="18" charset="0"/>
+              </a:rPr>
+              <a:t>)</a:t>
+            </a:r>
+            <a:endParaRPr lang="en-IN" sz="1200" dirty="0">
+              <a:effectLst/>
+              <a:latin typeface="Calibri" panose="020F0502020204030204" pitchFamily="34" charset="0"/>
+              <a:ea typeface="Calibri" panose="020F0502020204030204" pitchFamily="34" charset="0"/>
+              <a:cs typeface="Times New Roman" panose="02020603050405020304" pitchFamily="18" charset="0"/>
+            </a:endParaRPr>
+          </a:p>
+          <a:p>
+            <a:pPr>
+              <a:lnSpc>
+                <a:spcPct val="107000"/>
+              </a:lnSpc>
+              <a:spcAft>
+                <a:spcPts val="800"/>
+              </a:spcAft>
+            </a:pPr>
+            <a:r>
+              <a:rPr lang="en-IN" sz="1800" b="1" dirty="0">
+                <a:solidFill>
+                  <a:srgbClr val="7F0055"/>
+                </a:solidFill>
+                <a:effectLst/>
+                <a:latin typeface="Arial" panose="020B0604020202020204" pitchFamily="34" charset="0"/>
+                <a:ea typeface="Calibri" panose="020F0502020204030204" pitchFamily="34" charset="0"/>
+                <a:cs typeface="Times New Roman" panose="02020603050405020304" pitchFamily="18" charset="0"/>
+              </a:rPr>
+              <a:t>public</a:t>
+            </a:r>
+            <a:r>
+              <a:rPr lang="en-IN" sz="1800" dirty="0">
+                <a:solidFill>
+                  <a:srgbClr val="000000"/>
+                </a:solidFill>
+                <a:effectLst/>
+                <a:latin typeface="Arial" panose="020B0604020202020204" pitchFamily="34" charset="0"/>
+                <a:ea typeface="Calibri" panose="020F0502020204030204" pitchFamily="34" charset="0"/>
+                <a:cs typeface="Times New Roman" panose="02020603050405020304" pitchFamily="18" charset="0"/>
+              </a:rPr>
+              <a:t> </a:t>
+            </a:r>
+            <a:r>
+              <a:rPr lang="en-IN" sz="1800" b="1" dirty="0">
+                <a:solidFill>
+                  <a:srgbClr val="7F0055"/>
+                </a:solidFill>
+                <a:effectLst/>
+                <a:latin typeface="Arial" panose="020B0604020202020204" pitchFamily="34" charset="0"/>
+                <a:ea typeface="Calibri" panose="020F0502020204030204" pitchFamily="34" charset="0"/>
+                <a:cs typeface="Times New Roman" panose="02020603050405020304" pitchFamily="18" charset="0"/>
+              </a:rPr>
+              <a:t>class</a:t>
+            </a:r>
+            <a:r>
+              <a:rPr lang="en-IN" sz="1800" dirty="0">
+                <a:solidFill>
+                  <a:srgbClr val="000000"/>
+                </a:solidFill>
+                <a:effectLst/>
+                <a:latin typeface="Arial" panose="020B0604020202020204" pitchFamily="34" charset="0"/>
+                <a:ea typeface="Calibri" panose="020F0502020204030204" pitchFamily="34" charset="0"/>
+                <a:cs typeface="Times New Roman" panose="02020603050405020304" pitchFamily="18" charset="0"/>
+              </a:rPr>
+              <a:t> </a:t>
+            </a:r>
+            <a:r>
+              <a:rPr lang="en-IN" sz="1800" dirty="0" err="1">
+                <a:solidFill>
+                  <a:srgbClr val="000000"/>
+                </a:solidFill>
+                <a:effectLst/>
+                <a:latin typeface="Arial" panose="020B0604020202020204" pitchFamily="34" charset="0"/>
+                <a:ea typeface="Calibri" panose="020F0502020204030204" pitchFamily="34" charset="0"/>
+                <a:cs typeface="Times New Roman" panose="02020603050405020304" pitchFamily="18" charset="0"/>
+              </a:rPr>
+              <a:t>MyConfiguration</a:t>
+            </a:r>
+            <a:r>
+              <a:rPr lang="en-IN" sz="1800" dirty="0">
+                <a:solidFill>
+                  <a:srgbClr val="000000"/>
+                </a:solidFill>
+                <a:effectLst/>
+                <a:latin typeface="Arial" panose="020B0604020202020204" pitchFamily="34" charset="0"/>
+                <a:ea typeface="Calibri" panose="020F0502020204030204" pitchFamily="34" charset="0"/>
+                <a:cs typeface="Times New Roman" panose="02020603050405020304" pitchFamily="18" charset="0"/>
+              </a:rPr>
+              <a:t> </a:t>
+            </a:r>
+            <a:r>
+              <a:rPr lang="en-IN" sz="1800" b="1" dirty="0">
+                <a:solidFill>
+                  <a:srgbClr val="7F0055"/>
+                </a:solidFill>
+                <a:effectLst/>
+                <a:latin typeface="Arial" panose="020B0604020202020204" pitchFamily="34" charset="0"/>
+                <a:ea typeface="Calibri" panose="020F0502020204030204" pitchFamily="34" charset="0"/>
+                <a:cs typeface="Times New Roman" panose="02020603050405020304" pitchFamily="18" charset="0"/>
+              </a:rPr>
+              <a:t>extends</a:t>
+            </a:r>
+            <a:r>
+              <a:rPr lang="en-IN" sz="1800" dirty="0">
+                <a:solidFill>
+                  <a:srgbClr val="000000"/>
+                </a:solidFill>
+                <a:effectLst/>
+                <a:latin typeface="Arial" panose="020B0604020202020204" pitchFamily="34" charset="0"/>
+                <a:ea typeface="Calibri" panose="020F0502020204030204" pitchFamily="34" charset="0"/>
+                <a:cs typeface="Times New Roman" panose="02020603050405020304" pitchFamily="18" charset="0"/>
+              </a:rPr>
+              <a:t> </a:t>
+            </a:r>
+            <a:r>
+              <a:rPr lang="en-IN" sz="1800" dirty="0" err="1">
+                <a:solidFill>
+                  <a:srgbClr val="000000"/>
+                </a:solidFill>
+                <a:effectLst/>
+                <a:latin typeface="Arial" panose="020B0604020202020204" pitchFamily="34" charset="0"/>
+                <a:ea typeface="Calibri" panose="020F0502020204030204" pitchFamily="34" charset="0"/>
+                <a:cs typeface="Times New Roman" panose="02020603050405020304" pitchFamily="18" charset="0"/>
+              </a:rPr>
+              <a:t>WebMvcConfigurerAdapter</a:t>
+            </a:r>
+            <a:r>
+              <a:rPr lang="en-IN" sz="1800" dirty="0">
+                <a:solidFill>
+                  <a:srgbClr val="000000"/>
+                </a:solidFill>
+                <a:effectLst/>
+                <a:latin typeface="Arial" panose="020B0604020202020204" pitchFamily="34" charset="0"/>
+                <a:ea typeface="Calibri" panose="020F0502020204030204" pitchFamily="34" charset="0"/>
+                <a:cs typeface="Times New Roman" panose="02020603050405020304" pitchFamily="18" charset="0"/>
+              </a:rPr>
+              <a:t>{</a:t>
+            </a:r>
+            <a:endParaRPr lang="en-IN" sz="1200" dirty="0">
+              <a:effectLst/>
+              <a:latin typeface="Calibri" panose="020F0502020204030204" pitchFamily="34" charset="0"/>
+              <a:ea typeface="Calibri" panose="020F0502020204030204" pitchFamily="34" charset="0"/>
+              <a:cs typeface="Times New Roman" panose="02020603050405020304" pitchFamily="18" charset="0"/>
+            </a:endParaRPr>
+          </a:p>
+          <a:p>
+            <a:pPr>
+              <a:lnSpc>
+                <a:spcPct val="107000"/>
+              </a:lnSpc>
+              <a:spcAft>
+                <a:spcPts val="800"/>
+              </a:spcAft>
+            </a:pPr>
+            <a:r>
+              <a:rPr lang="en-IN" sz="1800" dirty="0">
+                <a:effectLst/>
+                <a:latin typeface="Arial" panose="020B0604020202020204" pitchFamily="34" charset="0"/>
+                <a:ea typeface="Calibri" panose="020F0502020204030204" pitchFamily="34" charset="0"/>
+                <a:cs typeface="Times New Roman" panose="02020603050405020304" pitchFamily="18" charset="0"/>
+              </a:rPr>
+              <a:t> </a:t>
+            </a:r>
+            <a:endParaRPr lang="en-IN" sz="1200" dirty="0">
+              <a:effectLst/>
+              <a:latin typeface="Calibri" panose="020F0502020204030204" pitchFamily="34" charset="0"/>
+              <a:ea typeface="Calibri" panose="020F0502020204030204" pitchFamily="34" charset="0"/>
+              <a:cs typeface="Times New Roman" panose="02020603050405020304" pitchFamily="18" charset="0"/>
+            </a:endParaRPr>
+          </a:p>
+          <a:p>
+            <a:pPr>
+              <a:lnSpc>
+                <a:spcPct val="107000"/>
+              </a:lnSpc>
+              <a:spcAft>
+                <a:spcPts val="800"/>
+              </a:spcAft>
+            </a:pPr>
+            <a:r>
+              <a:rPr lang="en-IN" sz="1800" dirty="0">
+                <a:solidFill>
+                  <a:srgbClr val="000000"/>
+                </a:solidFill>
+                <a:effectLst/>
+                <a:latin typeface="Arial" panose="020B0604020202020204" pitchFamily="34" charset="0"/>
+                <a:ea typeface="Calibri" panose="020F0502020204030204" pitchFamily="34" charset="0"/>
+                <a:cs typeface="Times New Roman" panose="02020603050405020304" pitchFamily="18" charset="0"/>
+              </a:rPr>
+              <a:t>	  </a:t>
+            </a:r>
+            <a:r>
+              <a:rPr lang="en-IN" sz="1800" dirty="0">
+                <a:solidFill>
+                  <a:srgbClr val="646464"/>
+                </a:solidFill>
+                <a:effectLst/>
+                <a:latin typeface="Arial" panose="020B0604020202020204" pitchFamily="34" charset="0"/>
+                <a:ea typeface="Calibri" panose="020F0502020204030204" pitchFamily="34" charset="0"/>
+                <a:cs typeface="Times New Roman" panose="02020603050405020304" pitchFamily="18" charset="0"/>
+              </a:rPr>
+              <a:t>@Override</a:t>
+            </a:r>
+            <a:r>
+              <a:rPr lang="en-IN" sz="1800" dirty="0">
+                <a:solidFill>
+                  <a:srgbClr val="000000"/>
+                </a:solidFill>
+                <a:effectLst/>
+                <a:latin typeface="Arial" panose="020B0604020202020204" pitchFamily="34" charset="0"/>
+                <a:ea typeface="Calibri" panose="020F0502020204030204" pitchFamily="34" charset="0"/>
+                <a:cs typeface="Times New Roman" panose="02020603050405020304" pitchFamily="18" charset="0"/>
+              </a:rPr>
+              <a:t> </a:t>
+            </a:r>
+            <a:r>
+              <a:rPr lang="en-IN" sz="1800" b="1" dirty="0">
+                <a:solidFill>
+                  <a:srgbClr val="7F0055"/>
+                </a:solidFill>
+                <a:effectLst/>
+                <a:latin typeface="Arial" panose="020B0604020202020204" pitchFamily="34" charset="0"/>
+                <a:ea typeface="Calibri" panose="020F0502020204030204" pitchFamily="34" charset="0"/>
+                <a:cs typeface="Times New Roman" panose="02020603050405020304" pitchFamily="18" charset="0"/>
+              </a:rPr>
+              <a:t>public</a:t>
+            </a:r>
+            <a:r>
+              <a:rPr lang="en-IN" sz="1800" dirty="0">
+                <a:solidFill>
+                  <a:srgbClr val="000000"/>
+                </a:solidFill>
+                <a:effectLst/>
+                <a:latin typeface="Arial" panose="020B0604020202020204" pitchFamily="34" charset="0"/>
+                <a:ea typeface="Calibri" panose="020F0502020204030204" pitchFamily="34" charset="0"/>
+                <a:cs typeface="Times New Roman" panose="02020603050405020304" pitchFamily="18" charset="0"/>
+              </a:rPr>
+              <a:t> </a:t>
+            </a:r>
+            <a:r>
+              <a:rPr lang="en-IN" sz="1800" b="1" dirty="0">
+                <a:solidFill>
+                  <a:srgbClr val="7F0055"/>
+                </a:solidFill>
+                <a:effectLst/>
+                <a:latin typeface="Arial" panose="020B0604020202020204" pitchFamily="34" charset="0"/>
+                <a:ea typeface="Calibri" panose="020F0502020204030204" pitchFamily="34" charset="0"/>
+                <a:cs typeface="Times New Roman" panose="02020603050405020304" pitchFamily="18" charset="0"/>
+              </a:rPr>
+              <a:t>void</a:t>
+            </a:r>
+            <a:r>
+              <a:rPr lang="en-IN" sz="1800" dirty="0">
+                <a:solidFill>
+                  <a:srgbClr val="000000"/>
+                </a:solidFill>
+                <a:effectLst/>
+                <a:latin typeface="Arial" panose="020B0604020202020204" pitchFamily="34" charset="0"/>
+                <a:ea typeface="Calibri" panose="020F0502020204030204" pitchFamily="34" charset="0"/>
+                <a:cs typeface="Times New Roman" panose="02020603050405020304" pitchFamily="18" charset="0"/>
+              </a:rPr>
+              <a:t>  </a:t>
+            </a:r>
+            <a:r>
+              <a:rPr lang="en-IN" sz="1800" dirty="0" err="1">
+                <a:solidFill>
+                  <a:srgbClr val="000000"/>
+                </a:solidFill>
+                <a:effectLst/>
+                <a:latin typeface="Arial" panose="020B0604020202020204" pitchFamily="34" charset="0"/>
+                <a:ea typeface="Calibri" panose="020F0502020204030204" pitchFamily="34" charset="0"/>
+                <a:cs typeface="Times New Roman" panose="02020603050405020304" pitchFamily="18" charset="0"/>
+              </a:rPr>
+              <a:t>configureDefaultServletHandling</a:t>
+            </a:r>
+            <a:r>
+              <a:rPr lang="en-IN" sz="1800" dirty="0">
+                <a:solidFill>
+                  <a:srgbClr val="000000"/>
+                </a:solidFill>
+                <a:effectLst/>
+                <a:latin typeface="Arial" panose="020B0604020202020204" pitchFamily="34" charset="0"/>
+                <a:ea typeface="Calibri" panose="020F0502020204030204" pitchFamily="34" charset="0"/>
+                <a:cs typeface="Times New Roman" panose="02020603050405020304" pitchFamily="18" charset="0"/>
+              </a:rPr>
+              <a:t>(</a:t>
+            </a:r>
+            <a:r>
+              <a:rPr lang="en-IN" sz="1800" dirty="0" err="1">
+                <a:solidFill>
+                  <a:srgbClr val="000000"/>
+                </a:solidFill>
+                <a:effectLst/>
+                <a:latin typeface="Arial" panose="020B0604020202020204" pitchFamily="34" charset="0"/>
+                <a:ea typeface="Calibri" panose="020F0502020204030204" pitchFamily="34" charset="0"/>
+                <a:cs typeface="Times New Roman" panose="02020603050405020304" pitchFamily="18" charset="0"/>
+              </a:rPr>
+              <a:t>DefaultServletHandlerConfigurer</a:t>
+            </a:r>
+            <a:r>
+              <a:rPr lang="en-IN" sz="1800" dirty="0">
+                <a:solidFill>
+                  <a:srgbClr val="000000"/>
+                </a:solidFill>
+                <a:effectLst/>
+                <a:latin typeface="Arial" panose="020B0604020202020204" pitchFamily="34" charset="0"/>
+                <a:ea typeface="Calibri" panose="020F0502020204030204" pitchFamily="34" charset="0"/>
+                <a:cs typeface="Times New Roman" panose="02020603050405020304" pitchFamily="18" charset="0"/>
+              </a:rPr>
+              <a:t> </a:t>
+            </a:r>
+            <a:r>
+              <a:rPr lang="en-IN" sz="1800" dirty="0" err="1">
+                <a:solidFill>
+                  <a:srgbClr val="6A3E3E"/>
+                </a:solidFill>
+                <a:effectLst/>
+                <a:latin typeface="Arial" panose="020B0604020202020204" pitchFamily="34" charset="0"/>
+                <a:ea typeface="Calibri" panose="020F0502020204030204" pitchFamily="34" charset="0"/>
+                <a:cs typeface="Times New Roman" panose="02020603050405020304" pitchFamily="18" charset="0"/>
+              </a:rPr>
+              <a:t>configurer</a:t>
+            </a:r>
+            <a:r>
+              <a:rPr lang="en-IN" sz="1800" dirty="0">
+                <a:solidFill>
+                  <a:srgbClr val="000000"/>
+                </a:solidFill>
+                <a:effectLst/>
+                <a:latin typeface="Arial" panose="020B0604020202020204" pitchFamily="34" charset="0"/>
+                <a:ea typeface="Calibri" panose="020F0502020204030204" pitchFamily="34" charset="0"/>
+                <a:cs typeface="Times New Roman" panose="02020603050405020304" pitchFamily="18" charset="0"/>
+              </a:rPr>
+              <a:t>) {</a:t>
+            </a:r>
+            <a:endParaRPr lang="en-IN" sz="1200" dirty="0">
+              <a:effectLst/>
+              <a:latin typeface="Calibri" panose="020F0502020204030204" pitchFamily="34" charset="0"/>
+              <a:ea typeface="Calibri" panose="020F0502020204030204" pitchFamily="34" charset="0"/>
+              <a:cs typeface="Times New Roman" panose="02020603050405020304" pitchFamily="18" charset="0"/>
+            </a:endParaRPr>
+          </a:p>
+          <a:p>
+            <a:pPr>
+              <a:lnSpc>
+                <a:spcPct val="107000"/>
+              </a:lnSpc>
+              <a:spcAft>
+                <a:spcPts val="800"/>
+              </a:spcAft>
+            </a:pPr>
+            <a:r>
+              <a:rPr lang="en-IN" sz="1800" dirty="0">
+                <a:solidFill>
+                  <a:srgbClr val="000000"/>
+                </a:solidFill>
+                <a:effectLst/>
+                <a:latin typeface="Arial" panose="020B0604020202020204" pitchFamily="34" charset="0"/>
+                <a:ea typeface="Calibri" panose="020F0502020204030204" pitchFamily="34" charset="0"/>
+                <a:cs typeface="Times New Roman" panose="02020603050405020304" pitchFamily="18" charset="0"/>
+              </a:rPr>
+              <a:t>	  </a:t>
+            </a:r>
+            <a:r>
+              <a:rPr lang="en-IN" sz="1800" dirty="0" err="1">
+                <a:solidFill>
+                  <a:srgbClr val="6A3E3E"/>
+                </a:solidFill>
+                <a:effectLst/>
+                <a:latin typeface="Arial" panose="020B0604020202020204" pitchFamily="34" charset="0"/>
+                <a:ea typeface="Calibri" panose="020F0502020204030204" pitchFamily="34" charset="0"/>
+                <a:cs typeface="Times New Roman" panose="02020603050405020304" pitchFamily="18" charset="0"/>
+              </a:rPr>
+              <a:t>configurer</a:t>
+            </a:r>
+            <a:r>
+              <a:rPr lang="en-IN" sz="1800" dirty="0" err="1">
+                <a:solidFill>
+                  <a:srgbClr val="000000"/>
+                </a:solidFill>
+                <a:effectLst/>
+                <a:latin typeface="Arial" panose="020B0604020202020204" pitchFamily="34" charset="0"/>
+                <a:ea typeface="Calibri" panose="020F0502020204030204" pitchFamily="34" charset="0"/>
+                <a:cs typeface="Times New Roman" panose="02020603050405020304" pitchFamily="18" charset="0"/>
+              </a:rPr>
+              <a:t>.enable</a:t>
+            </a:r>
+            <a:r>
+              <a:rPr lang="en-IN" sz="1800" dirty="0">
+                <a:solidFill>
+                  <a:srgbClr val="000000"/>
+                </a:solidFill>
+                <a:effectLst/>
+                <a:latin typeface="Arial" panose="020B0604020202020204" pitchFamily="34" charset="0"/>
+                <a:ea typeface="Calibri" panose="020F0502020204030204" pitchFamily="34" charset="0"/>
+                <a:cs typeface="Times New Roman" panose="02020603050405020304" pitchFamily="18" charset="0"/>
+              </a:rPr>
+              <a:t>(); }</a:t>
+            </a:r>
+            <a:endParaRPr lang="en-IN" sz="1200" dirty="0">
+              <a:effectLst/>
+              <a:latin typeface="Calibri" panose="020F0502020204030204" pitchFamily="34" charset="0"/>
+              <a:ea typeface="Calibri" panose="020F0502020204030204" pitchFamily="34" charset="0"/>
+              <a:cs typeface="Times New Roman" panose="02020603050405020304" pitchFamily="18" charset="0"/>
+            </a:endParaRPr>
+          </a:p>
+          <a:p>
+            <a:pPr>
+              <a:lnSpc>
+                <a:spcPct val="107000"/>
+              </a:lnSpc>
+              <a:spcAft>
+                <a:spcPts val="800"/>
+              </a:spcAft>
+            </a:pPr>
+            <a:r>
+              <a:rPr lang="en-IN" sz="1800" dirty="0">
+                <a:solidFill>
+                  <a:srgbClr val="000000"/>
+                </a:solidFill>
+                <a:effectLst/>
+                <a:latin typeface="Arial" panose="020B0604020202020204" pitchFamily="34" charset="0"/>
+                <a:ea typeface="Calibri" panose="020F0502020204030204" pitchFamily="34" charset="0"/>
+                <a:cs typeface="Times New Roman" panose="02020603050405020304" pitchFamily="18" charset="0"/>
+              </a:rPr>
+              <a:t>	 </a:t>
+            </a:r>
+            <a:endParaRPr lang="en-IN" sz="1200" dirty="0">
+              <a:effectLst/>
+              <a:latin typeface="Calibri" panose="020F0502020204030204" pitchFamily="34" charset="0"/>
+              <a:ea typeface="Calibri" panose="020F0502020204030204" pitchFamily="34" charset="0"/>
+              <a:cs typeface="Times New Roman" panose="02020603050405020304" pitchFamily="18" charset="0"/>
+            </a:endParaRPr>
+          </a:p>
+          <a:p>
+            <a:pPr>
+              <a:lnSpc>
+                <a:spcPct val="107000"/>
+              </a:lnSpc>
+              <a:spcAft>
+                <a:spcPts val="800"/>
+              </a:spcAft>
+            </a:pPr>
+            <a:r>
+              <a:rPr lang="en-IN" sz="1800" dirty="0">
+                <a:solidFill>
+                  <a:srgbClr val="000000"/>
+                </a:solidFill>
+                <a:effectLst/>
+                <a:latin typeface="Arial" panose="020B0604020202020204" pitchFamily="34" charset="0"/>
+                <a:ea typeface="Calibri" panose="020F0502020204030204" pitchFamily="34" charset="0"/>
+                <a:cs typeface="Times New Roman" panose="02020603050405020304" pitchFamily="18" charset="0"/>
+              </a:rPr>
+              <a:t>}</a:t>
+            </a:r>
+            <a:endParaRPr lang="en-IN" sz="1200" dirty="0">
+              <a:effectLst/>
+              <a:latin typeface="Calibri" panose="020F0502020204030204" pitchFamily="34" charset="0"/>
+              <a:ea typeface="Calibri" panose="020F0502020204030204" pitchFamily="34" charset="0"/>
+              <a:cs typeface="Times New Roman" panose="02020603050405020304" pitchFamily="18" charset="0"/>
+            </a:endParaRPr>
+          </a:p>
+        </p:txBody>
+      </p:sp>
+      <p:sp>
+        <p:nvSpPr>
+          <p:cNvPr id="4" name="Footer Placeholder 3">
+            <a:extLst>
+              <a:ext uri="{FF2B5EF4-FFF2-40B4-BE49-F238E27FC236}">
+                <a16:creationId xmlns:a16="http://schemas.microsoft.com/office/drawing/2014/main" id="{3CCBA26D-3684-474D-84FE-EB5866DF4AC4}"/>
+              </a:ext>
+            </a:extLst>
+          </p:cNvPr>
+          <p:cNvSpPr>
+            <a:spLocks noGrp="1"/>
+          </p:cNvSpPr>
+          <p:nvPr>
+            <p:ph type="ftr" sz="quarter" idx="11"/>
+          </p:nvPr>
+        </p:nvSpPr>
+        <p:spPr/>
+        <p:txBody>
+          <a:bodyPr/>
+          <a:lstStyle/>
+          <a:p>
+            <a:r>
+              <a:rPr lang="en-US"/>
+              <a:t>Prepared by Radha V Krishna</a:t>
+            </a:r>
+            <a:endParaRPr lang="en-IN"/>
+          </a:p>
+        </p:txBody>
+      </p:sp>
+    </p:spTree>
+    <p:extLst>
+      <p:ext uri="{BB962C8B-B14F-4D97-AF65-F5344CB8AC3E}">
+        <p14:creationId xmlns:p14="http://schemas.microsoft.com/office/powerpoint/2010/main" val="219929930"/>
+      </p:ext>
+    </p:extLst>
+  </p:cSld>
+  <p:clrMapOvr>
+    <a:masterClrMapping/>
+  </p:clrMapOvr>
+</p:sld>
+</file>
+
+<file path=ppt/slides/slide11.xml><?xml version="1.0" encoding="utf-8"?>
 <p:sld xmlns:a="http://schemas.openxmlformats.org/drawingml/2006/main" xmlns:r="http://schemas.openxmlformats.org/officeDocument/2006/relationships" xmlns:p="http://schemas.openxmlformats.org/presentationml/2006/main">
   <p:cSld>
     <p:spTree>
@@ -3855,6 +4970,35 @@
           </a:p>
         </p:txBody>
       </p:sp>
+      <p:sp>
+        <p:nvSpPr>
+          <p:cNvPr id="4" name="Footer Placeholder 3">
+            <a:extLst>
+              <a:ext uri="{FF2B5EF4-FFF2-40B4-BE49-F238E27FC236}">
+                <a16:creationId xmlns:a16="http://schemas.microsoft.com/office/drawing/2014/main" id="{C280AE59-91D6-4D25-86FE-1BFE4E7A2F1C}"/>
+              </a:ext>
+            </a:extLst>
+          </p:cNvPr>
+          <p:cNvSpPr>
+            <a:spLocks noGrp="1"/>
+          </p:cNvSpPr>
+          <p:nvPr>
+            <p:ph type="ftr" sz="quarter" idx="11"/>
+          </p:nvPr>
+        </p:nvSpPr>
+        <p:spPr/>
+        <p:txBody>
+          <a:bodyPr/>
+          <a:lstStyle/>
+          <a:p>
+            <a:r>
+              <a:rPr lang="en-US"/>
+              <a:t>Prepared by Radha V Krishna</a:t>
+            </a:r>
+            <a:endParaRPr lang="en-IN"/>
+          </a:p>
+        </p:txBody>
+      </p:sp>
     </p:spTree>
     <p:extLst>
       <p:ext uri="{BB962C8B-B14F-4D97-AF65-F5344CB8AC3E}">
@@ -3868,7 +5012,7 @@
 </p:sld>
 </file>
 
-<file path=ppt/slides/slide11.xml><?xml version="1.0" encoding="utf-8"?>
+<file path=ppt/slides/slide12.xml><?xml version="1.0" encoding="utf-8"?>
 <p:sld xmlns:a="http://schemas.openxmlformats.org/drawingml/2006/main" xmlns:r="http://schemas.openxmlformats.org/officeDocument/2006/relationships" xmlns:p="http://schemas.openxmlformats.org/presentationml/2006/main">
   <p:cSld>
     <p:spTree>
@@ -4420,6 +5564,35 @@
           </a:fontRef>
         </p:style>
       </p:cxnSp>
+      <p:sp>
+        <p:nvSpPr>
+          <p:cNvPr id="5" name="Footer Placeholder 4">
+            <a:extLst>
+              <a:ext uri="{FF2B5EF4-FFF2-40B4-BE49-F238E27FC236}">
+                <a16:creationId xmlns:a16="http://schemas.microsoft.com/office/drawing/2014/main" id="{C25A50D6-81C6-4015-8980-EAA08E4F5E6A}"/>
+              </a:ext>
+            </a:extLst>
+          </p:cNvPr>
+          <p:cNvSpPr>
+            <a:spLocks noGrp="1"/>
+          </p:cNvSpPr>
+          <p:nvPr>
+            <p:ph type="ftr" sz="quarter" idx="11"/>
+          </p:nvPr>
+        </p:nvSpPr>
+        <p:spPr/>
+        <p:txBody>
+          <a:bodyPr/>
+          <a:lstStyle/>
+          <a:p>
+            <a:r>
+              <a:rPr lang="en-US"/>
+              <a:t>Prepared by Radha V Krishna</a:t>
+            </a:r>
+            <a:endParaRPr lang="en-IN"/>
+          </a:p>
+        </p:txBody>
+      </p:sp>
     </p:spTree>
     <p:extLst>
       <p:ext uri="{BB962C8B-B14F-4D97-AF65-F5344CB8AC3E}">
@@ -4433,7 +5606,7 @@
 </p:sld>
 </file>
 
-<file path=ppt/slides/slide12.xml><?xml version="1.0" encoding="utf-8"?>
+<file path=ppt/slides/slide13.xml><?xml version="1.0" encoding="utf-8"?>
 <p:sld xmlns:a="http://schemas.openxmlformats.org/drawingml/2006/main" xmlns:r="http://schemas.openxmlformats.org/officeDocument/2006/relationships" xmlns:p="http://schemas.openxmlformats.org/presentationml/2006/main">
   <p:cSld>
     <p:spTree>
@@ -4962,6 +6135,35 @@
           </a:p>
         </p:txBody>
       </p:sp>
+      <p:sp>
+        <p:nvSpPr>
+          <p:cNvPr id="5" name="Footer Placeholder 4">
+            <a:extLst>
+              <a:ext uri="{FF2B5EF4-FFF2-40B4-BE49-F238E27FC236}">
+                <a16:creationId xmlns:a16="http://schemas.microsoft.com/office/drawing/2014/main" id="{DCD8FFC2-67D6-4263-97AB-DF2FD4649137}"/>
+              </a:ext>
+            </a:extLst>
+          </p:cNvPr>
+          <p:cNvSpPr>
+            <a:spLocks noGrp="1"/>
+          </p:cNvSpPr>
+          <p:nvPr>
+            <p:ph type="ftr" sz="quarter" idx="11"/>
+          </p:nvPr>
+        </p:nvSpPr>
+        <p:spPr/>
+        <p:txBody>
+          <a:bodyPr/>
+          <a:lstStyle/>
+          <a:p>
+            <a:r>
+              <a:rPr lang="en-US"/>
+              <a:t>Prepared by Radha V Krishna</a:t>
+            </a:r>
+            <a:endParaRPr lang="en-IN"/>
+          </a:p>
+        </p:txBody>
+      </p:sp>
     </p:spTree>
     <p:extLst>
       <p:ext uri="{BB962C8B-B14F-4D97-AF65-F5344CB8AC3E}">
@@ -4975,7 +6177,7 @@
 </p:sld>
 </file>
 
-<file path=ppt/slides/slide13.xml><?xml version="1.0" encoding="utf-8"?>
+<file path=ppt/slides/slide14.xml><?xml version="1.0" encoding="utf-8"?>
 <p:sld xmlns:a="http://schemas.openxmlformats.org/drawingml/2006/main" xmlns:r="http://schemas.openxmlformats.org/officeDocument/2006/relationships" xmlns:p="http://schemas.openxmlformats.org/presentationml/2006/main">
   <p:cSld>
     <p:spTree>
@@ -6121,6 +7323,35 @@
           </a:fontRef>
         </p:style>
       </p:cxnSp>
+      <p:sp>
+        <p:nvSpPr>
+          <p:cNvPr id="3" name="Footer Placeholder 2">
+            <a:extLst>
+              <a:ext uri="{FF2B5EF4-FFF2-40B4-BE49-F238E27FC236}">
+                <a16:creationId xmlns:a16="http://schemas.microsoft.com/office/drawing/2014/main" id="{57B9AB46-8899-493E-A366-8BBED60A6B2C}"/>
+              </a:ext>
+            </a:extLst>
+          </p:cNvPr>
+          <p:cNvSpPr>
+            <a:spLocks noGrp="1"/>
+          </p:cNvSpPr>
+          <p:nvPr>
+            <p:ph type="ftr" sz="quarter" idx="11"/>
+          </p:nvPr>
+        </p:nvSpPr>
+        <p:spPr/>
+        <p:txBody>
+          <a:bodyPr/>
+          <a:lstStyle/>
+          <a:p>
+            <a:r>
+              <a:rPr lang="en-US"/>
+              <a:t>Prepared by Radha V Krishna</a:t>
+            </a:r>
+            <a:endParaRPr lang="en-IN"/>
+          </a:p>
+        </p:txBody>
+      </p:sp>
     </p:spTree>
     <p:extLst>
       <p:ext uri="{BB962C8B-B14F-4D97-AF65-F5344CB8AC3E}">
@@ -6134,7 +7365,7 @@
 </p:sld>
 </file>
 
-<file path=ppt/slides/slide14.xml><?xml version="1.0" encoding="utf-8"?>
+<file path=ppt/slides/slide15.xml><?xml version="1.0" encoding="utf-8"?>
 <p:sld xmlns:a="http://schemas.openxmlformats.org/drawingml/2006/main" xmlns:r="http://schemas.openxmlformats.org/officeDocument/2006/relationships" xmlns:p="http://schemas.openxmlformats.org/presentationml/2006/main">
   <p:cSld>
     <p:spTree>
@@ -6521,6 +7752,35 @@
           </a:fontRef>
         </p:style>
       </p:cxnSp>
+      <p:sp>
+        <p:nvSpPr>
+          <p:cNvPr id="5" name="Footer Placeholder 4">
+            <a:extLst>
+              <a:ext uri="{FF2B5EF4-FFF2-40B4-BE49-F238E27FC236}">
+                <a16:creationId xmlns:a16="http://schemas.microsoft.com/office/drawing/2014/main" id="{52584E3F-F1E0-49FA-8FAD-EC842A1D3435}"/>
+              </a:ext>
+            </a:extLst>
+          </p:cNvPr>
+          <p:cNvSpPr>
+            <a:spLocks noGrp="1"/>
+          </p:cNvSpPr>
+          <p:nvPr>
+            <p:ph type="ftr" sz="quarter" idx="11"/>
+          </p:nvPr>
+        </p:nvSpPr>
+        <p:spPr/>
+        <p:txBody>
+          <a:bodyPr/>
+          <a:lstStyle/>
+          <a:p>
+            <a:r>
+              <a:rPr lang="en-US"/>
+              <a:t>Prepared by Radha V Krishna</a:t>
+            </a:r>
+            <a:endParaRPr lang="en-IN"/>
+          </a:p>
+        </p:txBody>
+      </p:sp>
     </p:spTree>
     <p:extLst>
       <p:ext uri="{BB962C8B-B14F-4D97-AF65-F5344CB8AC3E}">
@@ -6691,7 +7951,7 @@
 </p:sld>
 </file>
 
-<file path=ppt/slides/slide15.xml><?xml version="1.0" encoding="utf-8"?>
+<file path=ppt/slides/slide16.xml><?xml version="1.0" encoding="utf-8"?>
 <p:sld xmlns:a="http://schemas.openxmlformats.org/drawingml/2006/main" xmlns:r="http://schemas.openxmlformats.org/officeDocument/2006/relationships" xmlns:p="http://schemas.openxmlformats.org/presentationml/2006/main">
   <p:cSld>
     <p:spTree>
@@ -6979,42 +8239,12 @@
           </a:fontRef>
         </p:style>
       </p:cxnSp>
-    </p:spTree>
-    <p:extLst>
-      <p:ext uri="{BB962C8B-B14F-4D97-AF65-F5344CB8AC3E}">
-        <p14:creationId xmlns:p14="http://schemas.microsoft.com/office/powerpoint/2010/main" val="2427989318"/>
-      </p:ext>
-    </p:extLst>
-  </p:cSld>
-  <p:clrMapOvr>
-    <a:masterClrMapping/>
-  </p:clrMapOvr>
-</p:sld>
-</file>
-
-<file path=ppt/slides/slide16.xml><?xml version="1.0" encoding="utf-8"?>
-<p:sld xmlns:a="http://schemas.openxmlformats.org/drawingml/2006/main" xmlns:r="http://schemas.openxmlformats.org/officeDocument/2006/relationships" xmlns:p="http://schemas.openxmlformats.org/presentationml/2006/main">
-  <p:cSld>
-    <p:spTree>
-      <p:nvGrpSpPr>
-        <p:cNvPr id="1" name=""/>
-        <p:cNvGrpSpPr/>
-        <p:nvPr/>
-      </p:nvGrpSpPr>
-      <p:grpSpPr>
-        <a:xfrm>
-          <a:off x="0" y="0"/>
-          <a:ext cx="0" cy="0"/>
-          <a:chOff x="0" y="0"/>
-          <a:chExt cx="0" cy="0"/>
-        </a:xfrm>
-      </p:grpSpPr>
       <p:sp>
         <p:nvSpPr>
-          <p:cNvPr id="2" name="Title 1">
+          <p:cNvPr id="3" name="Footer Placeholder 2">
             <a:extLst>
               <a:ext uri="{FF2B5EF4-FFF2-40B4-BE49-F238E27FC236}">
-                <a16:creationId xmlns:a16="http://schemas.microsoft.com/office/drawing/2014/main" id="{ADADF567-2F1E-4552-B234-F3399BFFC0B0}"/>
+                <a16:creationId xmlns:a16="http://schemas.microsoft.com/office/drawing/2014/main" id="{73DF52E4-E792-4482-81C6-8CC52190D1E4}"/>
               </a:ext>
             </a:extLst>
           </p:cNvPr>
@@ -7022,37 +8252,7 @@
             <a:spLocks noGrp="1"/>
           </p:cNvSpPr>
           <p:nvPr>
-            <p:ph type="ctrTitle"/>
-          </p:nvPr>
-        </p:nvSpPr>
-        <p:spPr/>
-        <p:txBody>
-          <a:bodyPr>
-            <a:normAutofit/>
-          </a:bodyPr>
-          <a:lstStyle/>
-          <a:p>
-            <a:r>
-              <a:rPr lang="en-IN" sz="2800" dirty="0"/>
-              <a:t>Online Book Store Case study</a:t>
-            </a:r>
-          </a:p>
-        </p:txBody>
-      </p:sp>
-      <p:sp>
-        <p:nvSpPr>
-          <p:cNvPr id="3" name="Subtitle 2">
-            <a:extLst>
-              <a:ext uri="{FF2B5EF4-FFF2-40B4-BE49-F238E27FC236}">
-                <a16:creationId xmlns:a16="http://schemas.microsoft.com/office/drawing/2014/main" id="{712B1F3B-86FC-4E9A-8D0C-ECB1C748DB36}"/>
-              </a:ext>
-            </a:extLst>
-          </p:cNvPr>
-          <p:cNvSpPr>
-            <a:spLocks noGrp="1"/>
-          </p:cNvSpPr>
-          <p:nvPr>
-            <p:ph type="subTitle" idx="1"/>
+            <p:ph type="ftr" sz="quarter" idx="11"/>
           </p:nvPr>
         </p:nvSpPr>
         <p:spPr/>
@@ -7061,16 +8261,17 @@
           <a:lstStyle/>
           <a:p>
             <a:r>
-              <a:rPr lang="en-IN" dirty="0"/>
-              <a:t>CRUD operations with Database</a:t>
-            </a:r>
+              <a:rPr lang="en-US"/>
+              <a:t>Prepared by Radha V Krishna</a:t>
+            </a:r>
+            <a:endParaRPr lang="en-IN"/>
           </a:p>
         </p:txBody>
       </p:sp>
     </p:spTree>
     <p:extLst>
       <p:ext uri="{BB962C8B-B14F-4D97-AF65-F5344CB8AC3E}">
-        <p14:creationId xmlns:p14="http://schemas.microsoft.com/office/powerpoint/2010/main" val="512789314"/>
+        <p14:creationId xmlns:p14="http://schemas.microsoft.com/office/powerpoint/2010/main" val="2427989318"/>
       </p:ext>
     </p:extLst>
   </p:cSld>
@@ -7995,6 +9196,35 @@
           </a:p>
         </p:txBody>
       </p:sp>
+      <p:sp>
+        <p:nvSpPr>
+          <p:cNvPr id="3" name="Footer Placeholder 2">
+            <a:extLst>
+              <a:ext uri="{FF2B5EF4-FFF2-40B4-BE49-F238E27FC236}">
+                <a16:creationId xmlns:a16="http://schemas.microsoft.com/office/drawing/2014/main" id="{2D4F898C-59C9-41A5-B828-A683505593C9}"/>
+              </a:ext>
+            </a:extLst>
+          </p:cNvPr>
+          <p:cNvSpPr>
+            <a:spLocks noGrp="1"/>
+          </p:cNvSpPr>
+          <p:nvPr>
+            <p:ph type="ftr" sz="quarter" idx="11"/>
+          </p:nvPr>
+        </p:nvSpPr>
+        <p:spPr/>
+        <p:txBody>
+          <a:bodyPr/>
+          <a:lstStyle/>
+          <a:p>
+            <a:r>
+              <a:rPr lang="en-US"/>
+              <a:t>Prepared by Radha V Krishna</a:t>
+            </a:r>
+            <a:endParaRPr lang="en-IN"/>
+          </a:p>
+        </p:txBody>
+      </p:sp>
     </p:spTree>
     <p:extLst>
       <p:ext uri="{BB962C8B-B14F-4D97-AF65-F5344CB8AC3E}">
@@ -8697,6 +9927,35 @@
               </a:rPr>
               <a:t>" proxy-target-class="true"/&gt;</a:t>
             </a:r>
+          </a:p>
+        </p:txBody>
+      </p:sp>
+      <p:sp>
+        <p:nvSpPr>
+          <p:cNvPr id="3" name="Footer Placeholder 2">
+            <a:extLst>
+              <a:ext uri="{FF2B5EF4-FFF2-40B4-BE49-F238E27FC236}">
+                <a16:creationId xmlns:a16="http://schemas.microsoft.com/office/drawing/2014/main" id="{C3356CDE-5DA2-41F7-8C9E-D83225300449}"/>
+              </a:ext>
+            </a:extLst>
+          </p:cNvPr>
+          <p:cNvSpPr>
+            <a:spLocks noGrp="1"/>
+          </p:cNvSpPr>
+          <p:nvPr>
+            <p:ph type="ftr" sz="quarter" idx="11"/>
+          </p:nvPr>
+        </p:nvSpPr>
+        <p:spPr/>
+        <p:txBody>
+          <a:bodyPr/>
+          <a:lstStyle/>
+          <a:p>
+            <a:r>
+              <a:rPr lang="en-US"/>
+              <a:t>Prepared by Radha V Krishna</a:t>
+            </a:r>
+            <a:endParaRPr lang="en-IN"/>
           </a:p>
         </p:txBody>
       </p:sp>
@@ -9419,6 +10678,35 @@
           </a:p>
         </p:txBody>
       </p:sp>
+      <p:sp>
+        <p:nvSpPr>
+          <p:cNvPr id="4" name="Footer Placeholder 3">
+            <a:extLst>
+              <a:ext uri="{FF2B5EF4-FFF2-40B4-BE49-F238E27FC236}">
+                <a16:creationId xmlns:a16="http://schemas.microsoft.com/office/drawing/2014/main" id="{3A2D16A6-A580-4938-8723-AA037C2D4C3C}"/>
+              </a:ext>
+            </a:extLst>
+          </p:cNvPr>
+          <p:cNvSpPr>
+            <a:spLocks noGrp="1"/>
+          </p:cNvSpPr>
+          <p:nvPr>
+            <p:ph type="ftr" sz="quarter" idx="11"/>
+          </p:nvPr>
+        </p:nvSpPr>
+        <p:spPr/>
+        <p:txBody>
+          <a:bodyPr/>
+          <a:lstStyle/>
+          <a:p>
+            <a:r>
+              <a:rPr lang="en-US"/>
+              <a:t>Prepared by Radha V Krishna</a:t>
+            </a:r>
+            <a:endParaRPr lang="en-IN"/>
+          </a:p>
+        </p:txBody>
+      </p:sp>
     </p:spTree>
     <p:extLst>
       <p:ext uri="{BB962C8B-B14F-4D97-AF65-F5344CB8AC3E}">
@@ -9662,6 +10950,35 @@
           </a:p>
         </p:txBody>
       </p:sp>
+      <p:sp>
+        <p:nvSpPr>
+          <p:cNvPr id="4" name="Footer Placeholder 3">
+            <a:extLst>
+              <a:ext uri="{FF2B5EF4-FFF2-40B4-BE49-F238E27FC236}">
+                <a16:creationId xmlns:a16="http://schemas.microsoft.com/office/drawing/2014/main" id="{836E0D87-D6DE-4721-A06D-934D748BAB95}"/>
+              </a:ext>
+            </a:extLst>
+          </p:cNvPr>
+          <p:cNvSpPr>
+            <a:spLocks noGrp="1"/>
+          </p:cNvSpPr>
+          <p:nvPr>
+            <p:ph type="ftr" sz="quarter" idx="11"/>
+          </p:nvPr>
+        </p:nvSpPr>
+        <p:spPr/>
+        <p:txBody>
+          <a:bodyPr/>
+          <a:lstStyle/>
+          <a:p>
+            <a:r>
+              <a:rPr lang="en-US"/>
+              <a:t>Prepared by Radha V Krishna</a:t>
+            </a:r>
+            <a:endParaRPr lang="en-IN"/>
+          </a:p>
+        </p:txBody>
+      </p:sp>
     </p:spTree>
     <p:extLst>
       <p:ext uri="{BB962C8B-B14F-4D97-AF65-F5344CB8AC3E}">
@@ -10124,6 +11441,35 @@
           </a:p>
         </p:txBody>
       </p:sp>
+      <p:sp>
+        <p:nvSpPr>
+          <p:cNvPr id="5" name="Footer Placeholder 4">
+            <a:extLst>
+              <a:ext uri="{FF2B5EF4-FFF2-40B4-BE49-F238E27FC236}">
+                <a16:creationId xmlns:a16="http://schemas.microsoft.com/office/drawing/2014/main" id="{66E45275-1219-4BAF-85DC-B9A125EBD10F}"/>
+              </a:ext>
+            </a:extLst>
+          </p:cNvPr>
+          <p:cNvSpPr>
+            <a:spLocks noGrp="1"/>
+          </p:cNvSpPr>
+          <p:nvPr>
+            <p:ph type="ftr" sz="quarter" idx="11"/>
+          </p:nvPr>
+        </p:nvSpPr>
+        <p:spPr/>
+        <p:txBody>
+          <a:bodyPr/>
+          <a:lstStyle/>
+          <a:p>
+            <a:r>
+              <a:rPr lang="en-US"/>
+              <a:t>Prepared by Radha V Krishna</a:t>
+            </a:r>
+            <a:endParaRPr lang="en-IN"/>
+          </a:p>
+        </p:txBody>
+      </p:sp>
     </p:spTree>
     <p:extLst>
       <p:ext uri="{BB962C8B-B14F-4D97-AF65-F5344CB8AC3E}">
@@ -10138,6 +11484,368 @@
 </file>
 
 <file path=ppt/slides/slide21.xml><?xml version="1.0" encoding="utf-8"?>
+<p:sld xmlns:a="http://schemas.openxmlformats.org/drawingml/2006/main" xmlns:r="http://schemas.openxmlformats.org/officeDocument/2006/relationships" xmlns:p="http://schemas.openxmlformats.org/presentationml/2006/main">
+  <p:cSld>
+    <p:spTree>
+      <p:nvGrpSpPr>
+        <p:cNvPr id="1" name=""/>
+        <p:cNvGrpSpPr/>
+        <p:nvPr/>
+      </p:nvGrpSpPr>
+      <p:grpSpPr>
+        <a:xfrm>
+          <a:off x="0" y="0"/>
+          <a:ext cx="0" cy="0"/>
+          <a:chOff x="0" y="0"/>
+          <a:chExt cx="0" cy="0"/>
+        </a:xfrm>
+      </p:grpSpPr>
+      <p:sp>
+        <p:nvSpPr>
+          <p:cNvPr id="3" name="TextBox 2">
+            <a:extLst>
+              <a:ext uri="{FF2B5EF4-FFF2-40B4-BE49-F238E27FC236}">
+                <a16:creationId xmlns:a16="http://schemas.microsoft.com/office/drawing/2014/main" id="{77510F4A-95D4-462A-926F-863F50F2AFDF}"/>
+              </a:ext>
+            </a:extLst>
+          </p:cNvPr>
+          <p:cNvSpPr txBox="1"/>
+          <p:nvPr/>
+        </p:nvSpPr>
+        <p:spPr>
+          <a:xfrm>
+            <a:off x="152400" y="0"/>
+            <a:ext cx="11287125" cy="6463308"/>
+          </a:xfrm>
+          <a:prstGeom prst="rect">
+            <a:avLst/>
+          </a:prstGeom>
+          <a:noFill/>
+        </p:spPr>
+        <p:txBody>
+          <a:bodyPr wrap="square">
+            <a:spAutoFit/>
+          </a:bodyPr>
+          <a:lstStyle/>
+          <a:p>
+            <a:r>
+              <a:rPr lang="en-IN" dirty="0"/>
+              <a:t>// Sample Spring UI form</a:t>
+            </a:r>
+          </a:p>
+          <a:p>
+            <a:r>
+              <a:rPr lang="en-IN" dirty="0"/>
+              <a:t>&lt;html&gt;</a:t>
+            </a:r>
+          </a:p>
+          <a:p>
+            <a:r>
+              <a:rPr lang="en-IN" dirty="0"/>
+              <a:t>&lt;head&gt;</a:t>
+            </a:r>
+          </a:p>
+          <a:p>
+            <a:r>
+              <a:rPr lang="en-IN" dirty="0"/>
+              <a:t>&lt;title&gt;</a:t>
+            </a:r>
+          </a:p>
+          <a:p>
+            <a:r>
+              <a:rPr lang="en-IN" dirty="0"/>
+              <a:t>&lt;/title&gt;</a:t>
+            </a:r>
+          </a:p>
+          <a:p>
+            <a:r>
+              <a:rPr lang="en-IN" dirty="0"/>
+              <a:t>&lt;body&gt;</a:t>
+            </a:r>
+          </a:p>
+          <a:p>
+            <a:r>
+              <a:rPr lang="en-IN" dirty="0"/>
+              <a:t>&lt;a </a:t>
+            </a:r>
+            <a:r>
+              <a:rPr lang="en-IN" dirty="0" err="1"/>
+              <a:t>href</a:t>
+            </a:r>
+            <a:r>
+              <a:rPr lang="en-IN" dirty="0"/>
+              <a:t>="</a:t>
+            </a:r>
+            <a:r>
+              <a:rPr lang="en-IN" dirty="0" err="1"/>
+              <a:t>getallbooks</a:t>
+            </a:r>
+            <a:r>
+              <a:rPr lang="en-IN" dirty="0"/>
+              <a:t>"&gt;Go to Book Store&lt;/a&gt;</a:t>
+            </a:r>
+          </a:p>
+          <a:p>
+            <a:r>
+              <a:rPr lang="en-IN" dirty="0"/>
+              <a:t>&lt;</a:t>
+            </a:r>
+            <a:r>
+              <a:rPr lang="en-IN" dirty="0" err="1"/>
+              <a:t>br</a:t>
+            </a:r>
+            <a:r>
+              <a:rPr lang="en-IN" dirty="0"/>
+              <a:t>&gt;&lt;</a:t>
+            </a:r>
+            <a:r>
+              <a:rPr lang="en-IN" dirty="0" err="1"/>
+              <a:t>br</a:t>
+            </a:r>
+            <a:r>
+              <a:rPr lang="en-IN" dirty="0"/>
+              <a:t>&gt;</a:t>
+            </a:r>
+          </a:p>
+          <a:p>
+            <a:r>
+              <a:rPr lang="en-IN" dirty="0"/>
+              <a:t>   &lt;%@ </a:t>
+            </a:r>
+            <a:r>
+              <a:rPr lang="en-IN" dirty="0" err="1"/>
+              <a:t>taglib</a:t>
+            </a:r>
+            <a:r>
+              <a:rPr lang="en-IN" dirty="0"/>
+              <a:t> </a:t>
+            </a:r>
+            <a:r>
+              <a:rPr lang="en-IN" dirty="0" err="1"/>
+              <a:t>uri</a:t>
+            </a:r>
+            <a:r>
+              <a:rPr lang="en-IN" dirty="0"/>
+              <a:t>="http://www.springframework.org/tags/form" prefix="form"%&gt; </a:t>
+            </a:r>
+          </a:p>
+          <a:p>
+            <a:r>
+              <a:rPr lang="en-IN" dirty="0"/>
+              <a:t>       &lt;</a:t>
+            </a:r>
+            <a:r>
+              <a:rPr lang="en-IN" dirty="0" err="1"/>
+              <a:t>form:form</a:t>
+            </a:r>
+            <a:r>
+              <a:rPr lang="en-IN" dirty="0"/>
+              <a:t> name="f1" method="post" action="</a:t>
+            </a:r>
+            <a:r>
+              <a:rPr lang="en-IN" dirty="0" err="1"/>
+              <a:t>bookdetails</a:t>
+            </a:r>
+            <a:r>
+              <a:rPr lang="en-IN" dirty="0"/>
+              <a:t>" </a:t>
+            </a:r>
+            <a:r>
+              <a:rPr lang="en-IN" dirty="0" err="1"/>
+              <a:t>modelAttribute</a:t>
+            </a:r>
+            <a:r>
+              <a:rPr lang="en-IN" dirty="0"/>
+              <a:t>="book"&gt;    </a:t>
+            </a:r>
+          </a:p>
+          <a:p>
+            <a:r>
+              <a:rPr lang="en-IN" dirty="0"/>
+              <a:t>        &lt;table &gt;    </a:t>
+            </a:r>
+          </a:p>
+          <a:p>
+            <a:r>
+              <a:rPr lang="en-IN" dirty="0"/>
+              <a:t>         &lt;tr&gt;    </a:t>
+            </a:r>
+          </a:p>
+          <a:p>
+            <a:r>
+              <a:rPr lang="en-IN" dirty="0"/>
+              <a:t>          &lt;td&gt;</a:t>
+            </a:r>
+            <a:r>
+              <a:rPr lang="en-IN" dirty="0" err="1"/>
+              <a:t>Isbn</a:t>
+            </a:r>
+            <a:r>
+              <a:rPr lang="en-IN" dirty="0"/>
+              <a:t> : &lt;/td&gt;   </a:t>
+            </a:r>
+          </a:p>
+          <a:p>
+            <a:r>
+              <a:rPr lang="en-IN" dirty="0"/>
+              <a:t>          &lt;td&gt;&lt;</a:t>
+            </a:r>
+            <a:r>
+              <a:rPr lang="en-IN" dirty="0" err="1"/>
+              <a:t>form:input</a:t>
+            </a:r>
+            <a:r>
+              <a:rPr lang="en-IN" dirty="0"/>
+              <a:t> path="</a:t>
+            </a:r>
+            <a:r>
+              <a:rPr lang="en-IN" dirty="0" err="1"/>
+              <a:t>isbn</a:t>
+            </a:r>
+            <a:r>
+              <a:rPr lang="en-IN" dirty="0"/>
+              <a:t>"  /&gt;</a:t>
+            </a:r>
+          </a:p>
+          <a:p>
+            <a:r>
+              <a:rPr lang="en-IN" dirty="0"/>
+              <a:t>          &lt;</a:t>
+            </a:r>
+            <a:r>
+              <a:rPr lang="en-IN" dirty="0" err="1"/>
+              <a:t>form:errors</a:t>
+            </a:r>
+            <a:r>
+              <a:rPr lang="en-IN" dirty="0"/>
+              <a:t> path="</a:t>
+            </a:r>
+            <a:r>
+              <a:rPr lang="en-IN" dirty="0" err="1"/>
+              <a:t>isbn</a:t>
+            </a:r>
+            <a:r>
+              <a:rPr lang="en-IN" dirty="0"/>
+              <a:t>" </a:t>
+            </a:r>
+            <a:r>
+              <a:rPr lang="en-IN" dirty="0" err="1"/>
+              <a:t>cssStyle</a:t>
+            </a:r>
+            <a:r>
+              <a:rPr lang="en-IN" dirty="0"/>
+              <a:t>="</a:t>
+            </a:r>
+            <a:r>
+              <a:rPr lang="en-IN" dirty="0" err="1"/>
+              <a:t>color</a:t>
+            </a:r>
+            <a:r>
+              <a:rPr lang="en-IN" dirty="0"/>
+              <a:t>: #ff0000;"/&gt; </a:t>
+            </a:r>
+          </a:p>
+          <a:p>
+            <a:r>
+              <a:rPr lang="en-IN" dirty="0"/>
+              <a:t>          &lt;/td&gt;       </a:t>
+            </a:r>
+          </a:p>
+          <a:p>
+            <a:r>
+              <a:rPr lang="en-IN" dirty="0"/>
+              <a:t>         &lt;/tr&gt;       </a:t>
+            </a:r>
+          </a:p>
+          <a:p>
+            <a:r>
+              <a:rPr lang="en-IN" dirty="0"/>
+              <a:t>        &lt;/table&gt;   </a:t>
+            </a:r>
+          </a:p>
+          <a:p>
+            <a:r>
+              <a:rPr lang="en-IN" dirty="0"/>
+              <a:t>        &lt;input type="submit" value="add"/&gt; </a:t>
+            </a:r>
+          </a:p>
+          <a:p>
+            <a:r>
+              <a:rPr lang="en-IN" dirty="0"/>
+              <a:t>       &lt;/</a:t>
+            </a:r>
+            <a:r>
+              <a:rPr lang="en-IN" dirty="0" err="1"/>
+              <a:t>form:form</a:t>
+            </a:r>
+            <a:r>
+              <a:rPr lang="en-IN" dirty="0"/>
+              <a:t>&gt;    </a:t>
+            </a:r>
+          </a:p>
+          <a:p>
+            <a:r>
+              <a:rPr lang="en-IN" dirty="0"/>
+              <a:t>       </a:t>
+            </a:r>
+          </a:p>
+          <a:p>
+            <a:r>
+              <a:rPr lang="en-IN" dirty="0"/>
+              <a:t>  &lt;/body&gt;</a:t>
+            </a:r>
+          </a:p>
+          <a:p>
+            <a:r>
+              <a:rPr lang="en-IN" dirty="0"/>
+              <a:t>&lt;/html&gt;</a:t>
+            </a:r>
+          </a:p>
+        </p:txBody>
+      </p:sp>
+      <p:sp>
+        <p:nvSpPr>
+          <p:cNvPr id="4" name="Footer Placeholder 3">
+            <a:extLst>
+              <a:ext uri="{FF2B5EF4-FFF2-40B4-BE49-F238E27FC236}">
+                <a16:creationId xmlns:a16="http://schemas.microsoft.com/office/drawing/2014/main" id="{C62E2313-63EF-4B1F-9BD8-833075AC404A}"/>
+              </a:ext>
+            </a:extLst>
+          </p:cNvPr>
+          <p:cNvSpPr>
+            <a:spLocks noGrp="1"/>
+          </p:cNvSpPr>
+          <p:nvPr>
+            <p:ph type="ftr" sz="quarter" idx="11"/>
+          </p:nvPr>
+        </p:nvSpPr>
+        <p:spPr/>
+        <p:txBody>
+          <a:bodyPr/>
+          <a:lstStyle/>
+          <a:p>
+            <a:r>
+              <a:rPr lang="en-US"/>
+              <a:t>Prepared by Radha V Krishna</a:t>
+            </a:r>
+            <a:endParaRPr lang="en-IN"/>
+          </a:p>
+        </p:txBody>
+      </p:sp>
+    </p:spTree>
+    <p:extLst>
+      <p:ext uri="{BB962C8B-B14F-4D97-AF65-F5344CB8AC3E}">
+        <p14:creationId xmlns:p14="http://schemas.microsoft.com/office/powerpoint/2010/main" val="1192503689"/>
+      </p:ext>
+    </p:extLst>
+  </p:cSld>
+  <p:clrMapOvr>
+    <a:masterClrMapping/>
+  </p:clrMapOvr>
+</p:sld>
+</file>
+
+<file path=ppt/slides/slide22.xml><?xml version="1.0" encoding="utf-8"?>
 <p:sld xmlns:a="http://schemas.openxmlformats.org/drawingml/2006/main" xmlns:r="http://schemas.openxmlformats.org/officeDocument/2006/relationships" xmlns:p="http://schemas.openxmlformats.org/presentationml/2006/main">
   <p:cSld>
     <p:spTree>
@@ -10671,6 +12379,35 @@
               <a:rPr lang="en-IN" dirty="0"/>
               <a:t>	}</a:t>
             </a:r>
+          </a:p>
+        </p:txBody>
+      </p:sp>
+      <p:sp>
+        <p:nvSpPr>
+          <p:cNvPr id="5" name="Footer Placeholder 4">
+            <a:extLst>
+              <a:ext uri="{FF2B5EF4-FFF2-40B4-BE49-F238E27FC236}">
+                <a16:creationId xmlns:a16="http://schemas.microsoft.com/office/drawing/2014/main" id="{4C9231EC-6D2D-4A0D-A676-A7DC9187E4C7}"/>
+              </a:ext>
+            </a:extLst>
+          </p:cNvPr>
+          <p:cNvSpPr>
+            <a:spLocks noGrp="1"/>
+          </p:cNvSpPr>
+          <p:nvPr>
+            <p:ph type="ftr" sz="quarter" idx="11"/>
+          </p:nvPr>
+        </p:nvSpPr>
+        <p:spPr/>
+        <p:txBody>
+          <a:bodyPr/>
+          <a:lstStyle/>
+          <a:p>
+            <a:r>
+              <a:rPr lang="en-US"/>
+              <a:t>Prepared by Radha V Krishna</a:t>
+            </a:r>
+            <a:endParaRPr lang="en-IN"/>
           </a:p>
         </p:txBody>
       </p:sp>
@@ -10849,6 +12586,35 @@
           </a:extLst>
         </p:spPr>
       </p:pic>
+      <p:sp>
+        <p:nvSpPr>
+          <p:cNvPr id="2" name="Footer Placeholder 1">
+            <a:extLst>
+              <a:ext uri="{FF2B5EF4-FFF2-40B4-BE49-F238E27FC236}">
+                <a16:creationId xmlns:a16="http://schemas.microsoft.com/office/drawing/2014/main" id="{B17FE3A9-E946-4F9C-BC93-872B6B26F015}"/>
+              </a:ext>
+            </a:extLst>
+          </p:cNvPr>
+          <p:cNvSpPr>
+            <a:spLocks noGrp="1"/>
+          </p:cNvSpPr>
+          <p:nvPr>
+            <p:ph type="ftr" sz="quarter" idx="11"/>
+          </p:nvPr>
+        </p:nvSpPr>
+        <p:spPr/>
+        <p:txBody>
+          <a:bodyPr/>
+          <a:lstStyle/>
+          <a:p>
+            <a:r>
+              <a:rPr lang="en-US"/>
+              <a:t>Prepared by Radha V Krishna</a:t>
+            </a:r>
+            <a:endParaRPr lang="en-IN"/>
+          </a:p>
+        </p:txBody>
+      </p:sp>
     </p:spTree>
     <p:extLst>
       <p:ext uri="{BB962C8B-B14F-4D97-AF65-F5344CB8AC3E}">
@@ -11111,6 +12877,35 @@
               <a:rPr lang="en-IN" dirty="0"/>
               <a:t>Spring MVC Dependencies</a:t>
             </a:r>
+          </a:p>
+        </p:txBody>
+      </p:sp>
+      <p:sp>
+        <p:nvSpPr>
+          <p:cNvPr id="2" name="Footer Placeholder 1">
+            <a:extLst>
+              <a:ext uri="{FF2B5EF4-FFF2-40B4-BE49-F238E27FC236}">
+                <a16:creationId xmlns:a16="http://schemas.microsoft.com/office/drawing/2014/main" id="{D24C9BD3-FB6C-4FBE-9704-7F6A6F366C4C}"/>
+              </a:ext>
+            </a:extLst>
+          </p:cNvPr>
+          <p:cNvSpPr>
+            <a:spLocks noGrp="1"/>
+          </p:cNvSpPr>
+          <p:nvPr>
+            <p:ph type="ftr" sz="quarter" idx="11"/>
+          </p:nvPr>
+        </p:nvSpPr>
+        <p:spPr/>
+        <p:txBody>
+          <a:bodyPr/>
+          <a:lstStyle/>
+          <a:p>
+            <a:r>
+              <a:rPr lang="en-US"/>
+              <a:t>Prepared by Radha V Krishna</a:t>
+            </a:r>
+            <a:endParaRPr lang="en-IN"/>
           </a:p>
         </p:txBody>
       </p:sp>
@@ -12113,6 +13908,35 @@
           </a:fontRef>
         </p:style>
       </p:cxnSp>
+      <p:sp>
+        <p:nvSpPr>
+          <p:cNvPr id="5" name="Footer Placeholder 4">
+            <a:extLst>
+              <a:ext uri="{FF2B5EF4-FFF2-40B4-BE49-F238E27FC236}">
+                <a16:creationId xmlns:a16="http://schemas.microsoft.com/office/drawing/2014/main" id="{30580398-2E35-4BC8-BE3E-6BAE3527CA7D}"/>
+              </a:ext>
+            </a:extLst>
+          </p:cNvPr>
+          <p:cNvSpPr>
+            <a:spLocks noGrp="1"/>
+          </p:cNvSpPr>
+          <p:nvPr>
+            <p:ph type="ftr" sz="quarter" idx="11"/>
+          </p:nvPr>
+        </p:nvSpPr>
+        <p:spPr/>
+        <p:txBody>
+          <a:bodyPr/>
+          <a:lstStyle/>
+          <a:p>
+            <a:r>
+              <a:rPr lang="en-US"/>
+              <a:t>Prepared by Radha V Krishna</a:t>
+            </a:r>
+            <a:endParaRPr lang="en-IN"/>
+          </a:p>
+        </p:txBody>
+      </p:sp>
     </p:spTree>
     <p:extLst>
       <p:ext uri="{BB962C8B-B14F-4D97-AF65-F5344CB8AC3E}">
@@ -12817,6 +14641,35 @@
           </a:fontRef>
         </p:style>
       </p:cxnSp>
+      <p:sp>
+        <p:nvSpPr>
+          <p:cNvPr id="2" name="Footer Placeholder 1">
+            <a:extLst>
+              <a:ext uri="{FF2B5EF4-FFF2-40B4-BE49-F238E27FC236}">
+                <a16:creationId xmlns:a16="http://schemas.microsoft.com/office/drawing/2014/main" id="{02C44448-83A7-4D16-8C85-E354CBD17004}"/>
+              </a:ext>
+            </a:extLst>
+          </p:cNvPr>
+          <p:cNvSpPr>
+            <a:spLocks noGrp="1"/>
+          </p:cNvSpPr>
+          <p:nvPr>
+            <p:ph type="ftr" sz="quarter" idx="11"/>
+          </p:nvPr>
+        </p:nvSpPr>
+        <p:spPr/>
+        <p:txBody>
+          <a:bodyPr/>
+          <a:lstStyle/>
+          <a:p>
+            <a:r>
+              <a:rPr lang="en-US"/>
+              <a:t>Prepared by Radha V Krishna</a:t>
+            </a:r>
+            <a:endParaRPr lang="en-IN"/>
+          </a:p>
+        </p:txBody>
+      </p:sp>
     </p:spTree>
     <p:extLst>
       <p:ext uri="{BB962C8B-B14F-4D97-AF65-F5344CB8AC3E}">
@@ -13316,6 +15169,35 @@
           </a:p>
         </p:txBody>
       </p:sp>
+      <p:sp>
+        <p:nvSpPr>
+          <p:cNvPr id="3" name="Footer Placeholder 2">
+            <a:extLst>
+              <a:ext uri="{FF2B5EF4-FFF2-40B4-BE49-F238E27FC236}">
+                <a16:creationId xmlns:a16="http://schemas.microsoft.com/office/drawing/2014/main" id="{AAEA7839-1D54-4C00-8433-89C089365ED4}"/>
+              </a:ext>
+            </a:extLst>
+          </p:cNvPr>
+          <p:cNvSpPr>
+            <a:spLocks noGrp="1"/>
+          </p:cNvSpPr>
+          <p:nvPr>
+            <p:ph type="ftr" sz="quarter" idx="11"/>
+          </p:nvPr>
+        </p:nvSpPr>
+        <p:spPr/>
+        <p:txBody>
+          <a:bodyPr/>
+          <a:lstStyle/>
+          <a:p>
+            <a:r>
+              <a:rPr lang="en-US"/>
+              <a:t>Prepared by Radha V Krishna</a:t>
+            </a:r>
+            <a:endParaRPr lang="en-IN"/>
+          </a:p>
+        </p:txBody>
+      </p:sp>
     </p:spTree>
     <p:extLst>
       <p:ext uri="{BB962C8B-B14F-4D97-AF65-F5344CB8AC3E}">
@@ -13330,356 +15212,6 @@
 </file>
 
 <file path=ppt/slides/slide8.xml><?xml version="1.0" encoding="utf-8"?>
-<p:sld xmlns:a="http://schemas.openxmlformats.org/drawingml/2006/main" xmlns:r="http://schemas.openxmlformats.org/officeDocument/2006/relationships" xmlns:p="http://schemas.openxmlformats.org/presentationml/2006/main">
-  <p:cSld>
-    <p:spTree>
-      <p:nvGrpSpPr>
-        <p:cNvPr id="1" name=""/>
-        <p:cNvGrpSpPr/>
-        <p:nvPr/>
-      </p:nvGrpSpPr>
-      <p:grpSpPr>
-        <a:xfrm>
-          <a:off x="0" y="0"/>
-          <a:ext cx="0" cy="0"/>
-          <a:chOff x="0" y="0"/>
-          <a:chExt cx="0" cy="0"/>
-        </a:xfrm>
-      </p:grpSpPr>
-      <p:sp>
-        <p:nvSpPr>
-          <p:cNvPr id="3" name="Rectangle 2">
-            <a:extLst>
-              <a:ext uri="{FF2B5EF4-FFF2-40B4-BE49-F238E27FC236}">
-                <a16:creationId xmlns:a16="http://schemas.microsoft.com/office/drawing/2014/main" id="{9A13DDFF-FECA-4A7E-A35B-0B40F9ECE66E}"/>
-              </a:ext>
-            </a:extLst>
-          </p:cNvPr>
-          <p:cNvSpPr/>
-          <p:nvPr/>
-        </p:nvSpPr>
-        <p:spPr>
-          <a:xfrm>
-            <a:off x="360218" y="591126"/>
-            <a:ext cx="7915563" cy="5632311"/>
-          </a:xfrm>
-          <a:prstGeom prst="rect">
-            <a:avLst/>
-          </a:prstGeom>
-        </p:spPr>
-        <p:txBody>
-          <a:bodyPr wrap="square">
-            <a:spAutoFit/>
-          </a:bodyPr>
-          <a:lstStyle/>
-          <a:p>
-            <a:r>
-              <a:rPr lang="en-IN" dirty="0"/>
-              <a:t>@</a:t>
-            </a:r>
-            <a:r>
-              <a:rPr lang="en-IN" dirty="0" err="1"/>
-              <a:t>EnableWebMvc</a:t>
-            </a:r>
-            <a:endParaRPr lang="en-IN" dirty="0"/>
-          </a:p>
-          <a:p>
-            <a:r>
-              <a:rPr lang="en-IN" dirty="0"/>
-              <a:t>@Configuration</a:t>
-            </a:r>
-          </a:p>
-          <a:p>
-            <a:r>
-              <a:rPr lang="en-IN" dirty="0"/>
-              <a:t>public class </a:t>
-            </a:r>
-            <a:r>
-              <a:rPr lang="en-IN" dirty="0" err="1"/>
-              <a:t>WebConfig</a:t>
-            </a:r>
-            <a:r>
-              <a:rPr lang="en-IN" dirty="0"/>
-              <a:t> implements </a:t>
-            </a:r>
-            <a:r>
-              <a:rPr lang="en-IN" dirty="0" err="1"/>
-              <a:t>WebMvcConfigurer</a:t>
-            </a:r>
-            <a:r>
-              <a:rPr lang="en-IN" dirty="0"/>
-              <a:t> {</a:t>
-            </a:r>
-          </a:p>
-          <a:p>
-            <a:r>
-              <a:rPr lang="en-IN" dirty="0"/>
-              <a:t> </a:t>
-            </a:r>
-          </a:p>
-          <a:p>
-            <a:r>
-              <a:rPr lang="en-IN" dirty="0"/>
-              <a:t>   @Override</a:t>
-            </a:r>
-          </a:p>
-          <a:p>
-            <a:r>
-              <a:rPr lang="en-IN" dirty="0"/>
-              <a:t>   public void </a:t>
-            </a:r>
-            <a:r>
-              <a:rPr lang="en-IN" dirty="0" err="1"/>
-              <a:t>addViewControllers</a:t>
-            </a:r>
-            <a:r>
-              <a:rPr lang="en-IN" dirty="0"/>
-              <a:t>(</a:t>
-            </a:r>
-            <a:r>
-              <a:rPr lang="en-IN" dirty="0" err="1"/>
-              <a:t>ViewControllerRegistry</a:t>
-            </a:r>
-            <a:r>
-              <a:rPr lang="en-IN" dirty="0"/>
-              <a:t> registry) {</a:t>
-            </a:r>
-          </a:p>
-          <a:p>
-            <a:r>
-              <a:rPr lang="en-IN" dirty="0"/>
-              <a:t>      </a:t>
-            </a:r>
-            <a:r>
-              <a:rPr lang="en-IN" dirty="0" err="1"/>
-              <a:t>registry.addViewController</a:t>
-            </a:r>
-            <a:r>
-              <a:rPr lang="en-IN" dirty="0"/>
-              <a:t>("/").</a:t>
-            </a:r>
-            <a:r>
-              <a:rPr lang="en-IN" dirty="0" err="1"/>
-              <a:t>setViewName</a:t>
-            </a:r>
-            <a:r>
-              <a:rPr lang="en-IN" dirty="0"/>
-              <a:t>("index");</a:t>
-            </a:r>
-          </a:p>
-          <a:p>
-            <a:r>
-              <a:rPr lang="en-IN" dirty="0"/>
-              <a:t>   }</a:t>
-            </a:r>
-          </a:p>
-          <a:p>
-            <a:r>
-              <a:rPr lang="en-IN" dirty="0"/>
-              <a:t> </a:t>
-            </a:r>
-          </a:p>
-          <a:p>
-            <a:r>
-              <a:rPr lang="en-IN" dirty="0"/>
-              <a:t>   @Bean</a:t>
-            </a:r>
-          </a:p>
-          <a:p>
-            <a:r>
-              <a:rPr lang="en-IN" dirty="0"/>
-              <a:t>   public </a:t>
-            </a:r>
-            <a:r>
-              <a:rPr lang="en-IN" dirty="0" err="1"/>
-              <a:t>ViewResolver</a:t>
-            </a:r>
-            <a:r>
-              <a:rPr lang="en-IN" dirty="0"/>
-              <a:t> </a:t>
-            </a:r>
-            <a:r>
-              <a:rPr lang="en-IN" dirty="0" err="1"/>
-              <a:t>viewResolver</a:t>
-            </a:r>
-            <a:r>
-              <a:rPr lang="en-IN" dirty="0"/>
-              <a:t>() {</a:t>
-            </a:r>
-          </a:p>
-          <a:p>
-            <a:r>
-              <a:rPr lang="en-IN" dirty="0"/>
-              <a:t>      </a:t>
-            </a:r>
-            <a:r>
-              <a:rPr lang="en-IN" dirty="0" err="1"/>
-              <a:t>InternalResourceViewResolver</a:t>
-            </a:r>
-            <a:r>
-              <a:rPr lang="en-IN" dirty="0"/>
-              <a:t> bean = new </a:t>
-            </a:r>
-            <a:r>
-              <a:rPr lang="en-IN" dirty="0" err="1"/>
-              <a:t>InternalResourceViewResolver</a:t>
-            </a:r>
-            <a:r>
-              <a:rPr lang="en-IN" dirty="0"/>
-              <a:t>();</a:t>
-            </a:r>
-          </a:p>
-          <a:p>
-            <a:r>
-              <a:rPr lang="en-IN" dirty="0"/>
-              <a:t> </a:t>
-            </a:r>
-          </a:p>
-          <a:p>
-            <a:r>
-              <a:rPr lang="en-IN" dirty="0"/>
-              <a:t>      </a:t>
-            </a:r>
-            <a:r>
-              <a:rPr lang="en-IN" dirty="0" err="1"/>
-              <a:t>bean.setViewClass</a:t>
-            </a:r>
-            <a:r>
-              <a:rPr lang="en-IN" dirty="0"/>
-              <a:t>(</a:t>
-            </a:r>
-            <a:r>
-              <a:rPr lang="en-IN" dirty="0" err="1"/>
-              <a:t>JstlView.class</a:t>
-            </a:r>
-            <a:r>
-              <a:rPr lang="en-IN" dirty="0"/>
-              <a:t>);</a:t>
-            </a:r>
-          </a:p>
-          <a:p>
-            <a:r>
-              <a:rPr lang="en-IN" dirty="0"/>
-              <a:t>      </a:t>
-            </a:r>
-            <a:r>
-              <a:rPr lang="en-IN" dirty="0" err="1"/>
-              <a:t>bean.setPrefix</a:t>
-            </a:r>
-            <a:r>
-              <a:rPr lang="en-IN" dirty="0"/>
-              <a:t>("/WEB-INF/view/");</a:t>
-            </a:r>
-          </a:p>
-          <a:p>
-            <a:r>
-              <a:rPr lang="en-IN" dirty="0"/>
-              <a:t>      </a:t>
-            </a:r>
-            <a:r>
-              <a:rPr lang="en-IN" dirty="0" err="1"/>
-              <a:t>bean.setSuffix</a:t>
-            </a:r>
-            <a:r>
-              <a:rPr lang="en-IN" dirty="0"/>
-              <a:t>(".</a:t>
-            </a:r>
-            <a:r>
-              <a:rPr lang="en-IN" dirty="0" err="1"/>
-              <a:t>jsp</a:t>
-            </a:r>
-            <a:r>
-              <a:rPr lang="en-IN" dirty="0"/>
-              <a:t>");</a:t>
-            </a:r>
-          </a:p>
-          <a:p>
-            <a:r>
-              <a:rPr lang="en-IN" dirty="0"/>
-              <a:t> </a:t>
-            </a:r>
-          </a:p>
-          <a:p>
-            <a:r>
-              <a:rPr lang="en-IN" dirty="0"/>
-              <a:t>      return bean;</a:t>
-            </a:r>
-          </a:p>
-          <a:p>
-            <a:r>
-              <a:rPr lang="en-IN" dirty="0"/>
-              <a:t>   }</a:t>
-            </a:r>
-          </a:p>
-          <a:p>
-            <a:r>
-              <a:rPr lang="en-IN" dirty="0"/>
-              <a:t>}</a:t>
-            </a:r>
-          </a:p>
-        </p:txBody>
-      </p:sp>
-      <p:sp>
-        <p:nvSpPr>
-          <p:cNvPr id="4" name="Rectangle 3">
-            <a:extLst>
-              <a:ext uri="{FF2B5EF4-FFF2-40B4-BE49-F238E27FC236}">
-                <a16:creationId xmlns:a16="http://schemas.microsoft.com/office/drawing/2014/main" id="{1CED1E4F-943A-4816-A536-919D40B5B2C3}"/>
-              </a:ext>
-            </a:extLst>
-          </p:cNvPr>
-          <p:cNvSpPr/>
-          <p:nvPr/>
-        </p:nvSpPr>
-        <p:spPr>
-          <a:xfrm>
-            <a:off x="1145309" y="-27709"/>
-            <a:ext cx="6289964" cy="591127"/>
-          </a:xfrm>
-          <a:prstGeom prst="rect">
-            <a:avLst/>
-          </a:prstGeom>
-        </p:spPr>
-        <p:style>
-          <a:lnRef idx="2">
-            <a:schemeClr val="accent6"/>
-          </a:lnRef>
-          <a:fillRef idx="1">
-            <a:schemeClr val="lt1"/>
-          </a:fillRef>
-          <a:effectRef idx="0">
-            <a:schemeClr val="accent6"/>
-          </a:effectRef>
-          <a:fontRef idx="minor">
-            <a:schemeClr val="dk1"/>
-          </a:fontRef>
-        </p:style>
-        <p:txBody>
-          <a:bodyPr rtlCol="0" anchor="ctr"/>
-          <a:lstStyle/>
-          <a:p>
-            <a:pPr algn="ctr"/>
-            <a:r>
-              <a:rPr lang="en-IN" dirty="0"/>
-              <a:t>Alternative Way of configuration</a:t>
-            </a:r>
-          </a:p>
-        </p:txBody>
-      </p:sp>
-    </p:spTree>
-    <p:extLst>
-      <p:ext uri="{BB962C8B-B14F-4D97-AF65-F5344CB8AC3E}">
-        <p14:creationId xmlns:p14="http://schemas.microsoft.com/office/powerpoint/2010/main" val="411243967"/>
-      </p:ext>
-    </p:extLst>
-  </p:cSld>
-  <p:clrMapOvr>
-    <a:masterClrMapping/>
-  </p:clrMapOvr>
-</p:sld>
-</file>
-
-<file path=ppt/slides/slide9.xml><?xml version="1.0" encoding="utf-8"?>
 <p:sld xmlns:a="http://schemas.openxmlformats.org/drawingml/2006/main" xmlns:r="http://schemas.openxmlformats.org/officeDocument/2006/relationships" xmlns:p="http://schemas.openxmlformats.org/presentationml/2006/main">
   <p:cSld>
     <p:spTree>
@@ -14587,10 +16119,1261 @@
           </a:p>
         </p:txBody>
       </p:sp>
+      <p:sp>
+        <p:nvSpPr>
+          <p:cNvPr id="10" name="Footer Placeholder 9">
+            <a:extLst>
+              <a:ext uri="{FF2B5EF4-FFF2-40B4-BE49-F238E27FC236}">
+                <a16:creationId xmlns:a16="http://schemas.microsoft.com/office/drawing/2014/main" id="{C976614E-CF11-4FCC-83E5-4DB2AA54F8F8}"/>
+              </a:ext>
+            </a:extLst>
+          </p:cNvPr>
+          <p:cNvSpPr>
+            <a:spLocks noGrp="1"/>
+          </p:cNvSpPr>
+          <p:nvPr>
+            <p:ph type="ftr" sz="quarter" idx="11"/>
+          </p:nvPr>
+        </p:nvSpPr>
+        <p:spPr/>
+        <p:txBody>
+          <a:bodyPr/>
+          <a:lstStyle/>
+          <a:p>
+            <a:r>
+              <a:rPr lang="en-US"/>
+              <a:t>Prepared by Radha V Krishna</a:t>
+            </a:r>
+            <a:endParaRPr lang="en-IN"/>
+          </a:p>
+        </p:txBody>
+      </p:sp>
     </p:spTree>
     <p:extLst>
       <p:ext uri="{BB962C8B-B14F-4D97-AF65-F5344CB8AC3E}">
         <p14:creationId xmlns:p14="http://schemas.microsoft.com/office/powerpoint/2010/main" val="2408987052"/>
+      </p:ext>
+    </p:extLst>
+  </p:cSld>
+  <p:clrMapOvr>
+    <a:masterClrMapping/>
+  </p:clrMapOvr>
+</p:sld>
+</file>
+
+<file path=ppt/slides/slide9.xml><?xml version="1.0" encoding="utf-8"?>
+<p:sld xmlns:a="http://schemas.openxmlformats.org/drawingml/2006/main" xmlns:r="http://schemas.openxmlformats.org/officeDocument/2006/relationships" xmlns:p="http://schemas.openxmlformats.org/presentationml/2006/main">
+  <p:cSld>
+    <p:spTree>
+      <p:nvGrpSpPr>
+        <p:cNvPr id="1" name=""/>
+        <p:cNvGrpSpPr/>
+        <p:nvPr/>
+      </p:nvGrpSpPr>
+      <p:grpSpPr>
+        <a:xfrm>
+          <a:off x="0" y="0"/>
+          <a:ext cx="0" cy="0"/>
+          <a:chOff x="0" y="0"/>
+          <a:chExt cx="0" cy="0"/>
+        </a:xfrm>
+      </p:grpSpPr>
+      <p:sp>
+        <p:nvSpPr>
+          <p:cNvPr id="3" name="TextBox 2">
+            <a:extLst>
+              <a:ext uri="{FF2B5EF4-FFF2-40B4-BE49-F238E27FC236}">
+                <a16:creationId xmlns:a16="http://schemas.microsoft.com/office/drawing/2014/main" id="{526A6FC0-4D4E-4299-96A2-0FDC46BB5F48}"/>
+              </a:ext>
+            </a:extLst>
+          </p:cNvPr>
+          <p:cNvSpPr txBox="1"/>
+          <p:nvPr/>
+        </p:nvSpPr>
+        <p:spPr>
+          <a:xfrm>
+            <a:off x="885825" y="847725"/>
+            <a:ext cx="8870156" cy="4956037"/>
+          </a:xfrm>
+          <a:prstGeom prst="rect">
+            <a:avLst/>
+          </a:prstGeom>
+          <a:noFill/>
+        </p:spPr>
+        <p:txBody>
+          <a:bodyPr wrap="square">
+            <a:spAutoFit/>
+          </a:bodyPr>
+          <a:lstStyle/>
+          <a:p>
+            <a:pPr>
+              <a:lnSpc>
+                <a:spcPct val="107000"/>
+              </a:lnSpc>
+              <a:spcAft>
+                <a:spcPts val="800"/>
+              </a:spcAft>
+            </a:pPr>
+            <a:r>
+              <a:rPr lang="en-IN" sz="1800" b="1" dirty="0">
+                <a:solidFill>
+                  <a:srgbClr val="7F0055"/>
+                </a:solidFill>
+                <a:effectLst/>
+                <a:latin typeface="Arial" panose="020B0604020202020204" pitchFamily="34" charset="0"/>
+                <a:ea typeface="Calibri" panose="020F0502020204030204" pitchFamily="34" charset="0"/>
+                <a:cs typeface="Times New Roman" panose="02020603050405020304" pitchFamily="18" charset="0"/>
+              </a:rPr>
+              <a:t>// In place of web.xml</a:t>
+            </a:r>
+          </a:p>
+          <a:p>
+            <a:pPr>
+              <a:lnSpc>
+                <a:spcPct val="107000"/>
+              </a:lnSpc>
+              <a:spcAft>
+                <a:spcPts val="800"/>
+              </a:spcAft>
+            </a:pPr>
+            <a:r>
+              <a:rPr lang="en-IN" sz="1800" b="1" dirty="0">
+                <a:solidFill>
+                  <a:srgbClr val="7F0055"/>
+                </a:solidFill>
+                <a:effectLst/>
+                <a:latin typeface="Arial" panose="020B0604020202020204" pitchFamily="34" charset="0"/>
+                <a:ea typeface="Calibri" panose="020F0502020204030204" pitchFamily="34" charset="0"/>
+                <a:cs typeface="Times New Roman" panose="02020603050405020304" pitchFamily="18" charset="0"/>
+              </a:rPr>
+              <a:t>public</a:t>
+            </a:r>
+            <a:r>
+              <a:rPr lang="en-IN" sz="1800" dirty="0">
+                <a:solidFill>
+                  <a:srgbClr val="000000"/>
+                </a:solidFill>
+                <a:effectLst/>
+                <a:latin typeface="Arial" panose="020B0604020202020204" pitchFamily="34" charset="0"/>
+                <a:ea typeface="Calibri" panose="020F0502020204030204" pitchFamily="34" charset="0"/>
+                <a:cs typeface="Times New Roman" panose="02020603050405020304" pitchFamily="18" charset="0"/>
+              </a:rPr>
+              <a:t> </a:t>
+            </a:r>
+            <a:r>
+              <a:rPr lang="en-IN" sz="1800" b="1" dirty="0">
+                <a:solidFill>
+                  <a:srgbClr val="7F0055"/>
+                </a:solidFill>
+                <a:effectLst/>
+                <a:latin typeface="Arial" panose="020B0604020202020204" pitchFamily="34" charset="0"/>
+                <a:ea typeface="Calibri" panose="020F0502020204030204" pitchFamily="34" charset="0"/>
+                <a:cs typeface="Times New Roman" panose="02020603050405020304" pitchFamily="18" charset="0"/>
+              </a:rPr>
+              <a:t>class</a:t>
+            </a:r>
+            <a:r>
+              <a:rPr lang="en-IN" sz="1800" dirty="0">
+                <a:solidFill>
+                  <a:srgbClr val="000000"/>
+                </a:solidFill>
+                <a:effectLst/>
+                <a:latin typeface="Arial" panose="020B0604020202020204" pitchFamily="34" charset="0"/>
+                <a:ea typeface="Calibri" panose="020F0502020204030204" pitchFamily="34" charset="0"/>
+                <a:cs typeface="Times New Roman" panose="02020603050405020304" pitchFamily="18" charset="0"/>
+              </a:rPr>
+              <a:t> </a:t>
+            </a:r>
+            <a:r>
+              <a:rPr lang="en-IN" sz="1800" dirty="0" err="1">
+                <a:solidFill>
+                  <a:srgbClr val="000000"/>
+                </a:solidFill>
+                <a:effectLst/>
+                <a:latin typeface="Arial" panose="020B0604020202020204" pitchFamily="34" charset="0"/>
+                <a:ea typeface="Calibri" panose="020F0502020204030204" pitchFamily="34" charset="0"/>
+                <a:cs typeface="Times New Roman" panose="02020603050405020304" pitchFamily="18" charset="0"/>
+              </a:rPr>
+              <a:t>WebServletConfiguration</a:t>
+            </a:r>
+            <a:r>
+              <a:rPr lang="en-IN" sz="1800" dirty="0">
+                <a:solidFill>
+                  <a:srgbClr val="000000"/>
+                </a:solidFill>
+                <a:effectLst/>
+                <a:latin typeface="Arial" panose="020B0604020202020204" pitchFamily="34" charset="0"/>
+                <a:ea typeface="Calibri" panose="020F0502020204030204" pitchFamily="34" charset="0"/>
+                <a:cs typeface="Times New Roman" panose="02020603050405020304" pitchFamily="18" charset="0"/>
+              </a:rPr>
+              <a:t> </a:t>
+            </a:r>
+            <a:r>
+              <a:rPr lang="en-IN" sz="1800" b="1" dirty="0">
+                <a:solidFill>
+                  <a:srgbClr val="7F0055"/>
+                </a:solidFill>
+                <a:effectLst/>
+                <a:latin typeface="Arial" panose="020B0604020202020204" pitchFamily="34" charset="0"/>
+                <a:ea typeface="Calibri" panose="020F0502020204030204" pitchFamily="34" charset="0"/>
+                <a:cs typeface="Times New Roman" panose="02020603050405020304" pitchFamily="18" charset="0"/>
+              </a:rPr>
+              <a:t>implements</a:t>
+            </a:r>
+            <a:r>
+              <a:rPr lang="en-IN" sz="1800" dirty="0">
+                <a:solidFill>
+                  <a:srgbClr val="000000"/>
+                </a:solidFill>
+                <a:effectLst/>
+                <a:latin typeface="Arial" panose="020B0604020202020204" pitchFamily="34" charset="0"/>
+                <a:ea typeface="Calibri" panose="020F0502020204030204" pitchFamily="34" charset="0"/>
+                <a:cs typeface="Times New Roman" panose="02020603050405020304" pitchFamily="18" charset="0"/>
+              </a:rPr>
+              <a:t> </a:t>
+            </a:r>
+            <a:r>
+              <a:rPr lang="en-IN" sz="1800" dirty="0" err="1">
+                <a:solidFill>
+                  <a:srgbClr val="000000"/>
+                </a:solidFill>
+                <a:effectLst/>
+                <a:latin typeface="Arial" panose="020B0604020202020204" pitchFamily="34" charset="0"/>
+                <a:ea typeface="Calibri" panose="020F0502020204030204" pitchFamily="34" charset="0"/>
+                <a:cs typeface="Times New Roman" panose="02020603050405020304" pitchFamily="18" charset="0"/>
+              </a:rPr>
+              <a:t>WebApplicationInitializer</a:t>
+            </a:r>
+            <a:r>
+              <a:rPr lang="en-IN" sz="1800" dirty="0">
+                <a:solidFill>
+                  <a:srgbClr val="000000"/>
+                </a:solidFill>
+                <a:effectLst/>
+                <a:latin typeface="Arial" panose="020B0604020202020204" pitchFamily="34" charset="0"/>
+                <a:ea typeface="Calibri" panose="020F0502020204030204" pitchFamily="34" charset="0"/>
+                <a:cs typeface="Times New Roman" panose="02020603050405020304" pitchFamily="18" charset="0"/>
+              </a:rPr>
+              <a:t>{</a:t>
+            </a:r>
+            <a:endParaRPr lang="en-IN" sz="1200" dirty="0">
+              <a:effectLst/>
+              <a:latin typeface="Calibri" panose="020F0502020204030204" pitchFamily="34" charset="0"/>
+              <a:ea typeface="Calibri" panose="020F0502020204030204" pitchFamily="34" charset="0"/>
+              <a:cs typeface="Times New Roman" panose="02020603050405020304" pitchFamily="18" charset="0"/>
+            </a:endParaRPr>
+          </a:p>
+          <a:p>
+            <a:pPr>
+              <a:lnSpc>
+                <a:spcPct val="107000"/>
+              </a:lnSpc>
+              <a:spcAft>
+                <a:spcPts val="800"/>
+              </a:spcAft>
+            </a:pPr>
+            <a:r>
+              <a:rPr lang="en-IN" sz="1800" dirty="0">
+                <a:solidFill>
+                  <a:srgbClr val="000000"/>
+                </a:solidFill>
+                <a:effectLst/>
+                <a:latin typeface="Arial" panose="020B0604020202020204" pitchFamily="34" charset="0"/>
+                <a:ea typeface="Calibri" panose="020F0502020204030204" pitchFamily="34" charset="0"/>
+                <a:cs typeface="Times New Roman" panose="02020603050405020304" pitchFamily="18" charset="0"/>
+              </a:rPr>
+              <a:t>    </a:t>
+            </a:r>
+            <a:r>
+              <a:rPr lang="en-IN" sz="1800" b="1" dirty="0">
+                <a:solidFill>
+                  <a:srgbClr val="7F0055"/>
+                </a:solidFill>
+                <a:effectLst/>
+                <a:latin typeface="Arial" panose="020B0604020202020204" pitchFamily="34" charset="0"/>
+                <a:ea typeface="Calibri" panose="020F0502020204030204" pitchFamily="34" charset="0"/>
+                <a:cs typeface="Times New Roman" panose="02020603050405020304" pitchFamily="18" charset="0"/>
+              </a:rPr>
+              <a:t>public</a:t>
+            </a:r>
+            <a:r>
+              <a:rPr lang="en-IN" sz="1800" dirty="0">
+                <a:solidFill>
+                  <a:srgbClr val="000000"/>
+                </a:solidFill>
+                <a:effectLst/>
+                <a:latin typeface="Arial" panose="020B0604020202020204" pitchFamily="34" charset="0"/>
+                <a:ea typeface="Calibri" panose="020F0502020204030204" pitchFamily="34" charset="0"/>
+                <a:cs typeface="Times New Roman" panose="02020603050405020304" pitchFamily="18" charset="0"/>
+              </a:rPr>
+              <a:t> </a:t>
+            </a:r>
+            <a:r>
+              <a:rPr lang="en-IN" sz="1800" b="1" dirty="0">
+                <a:solidFill>
+                  <a:srgbClr val="7F0055"/>
+                </a:solidFill>
+                <a:effectLst/>
+                <a:latin typeface="Arial" panose="020B0604020202020204" pitchFamily="34" charset="0"/>
+                <a:ea typeface="Calibri" panose="020F0502020204030204" pitchFamily="34" charset="0"/>
+                <a:cs typeface="Times New Roman" panose="02020603050405020304" pitchFamily="18" charset="0"/>
+              </a:rPr>
+              <a:t>void</a:t>
+            </a:r>
+            <a:r>
+              <a:rPr lang="en-IN" sz="1800" dirty="0">
+                <a:solidFill>
+                  <a:srgbClr val="000000"/>
+                </a:solidFill>
+                <a:effectLst/>
+                <a:latin typeface="Arial" panose="020B0604020202020204" pitchFamily="34" charset="0"/>
+                <a:ea typeface="Calibri" panose="020F0502020204030204" pitchFamily="34" charset="0"/>
+                <a:cs typeface="Times New Roman" panose="02020603050405020304" pitchFamily="18" charset="0"/>
+              </a:rPr>
+              <a:t> </a:t>
+            </a:r>
+            <a:r>
+              <a:rPr lang="en-IN" sz="1800" dirty="0" err="1">
+                <a:solidFill>
+                  <a:srgbClr val="000000"/>
+                </a:solidFill>
+                <a:effectLst/>
+                <a:latin typeface="Arial" panose="020B0604020202020204" pitchFamily="34" charset="0"/>
+                <a:ea typeface="Calibri" panose="020F0502020204030204" pitchFamily="34" charset="0"/>
+                <a:cs typeface="Times New Roman" panose="02020603050405020304" pitchFamily="18" charset="0"/>
+              </a:rPr>
+              <a:t>onStartup</a:t>
+            </a:r>
+            <a:r>
+              <a:rPr lang="en-IN" sz="1800" dirty="0">
+                <a:solidFill>
+                  <a:srgbClr val="000000"/>
+                </a:solidFill>
+                <a:effectLst/>
+                <a:latin typeface="Arial" panose="020B0604020202020204" pitchFamily="34" charset="0"/>
+                <a:ea typeface="Calibri" panose="020F0502020204030204" pitchFamily="34" charset="0"/>
+                <a:cs typeface="Times New Roman" panose="02020603050405020304" pitchFamily="18" charset="0"/>
+              </a:rPr>
+              <a:t>(</a:t>
+            </a:r>
+            <a:r>
+              <a:rPr lang="en-IN" sz="1800" dirty="0" err="1">
+                <a:solidFill>
+                  <a:srgbClr val="000000"/>
+                </a:solidFill>
+                <a:effectLst/>
+                <a:latin typeface="Arial" panose="020B0604020202020204" pitchFamily="34" charset="0"/>
+                <a:ea typeface="Calibri" panose="020F0502020204030204" pitchFamily="34" charset="0"/>
+                <a:cs typeface="Times New Roman" panose="02020603050405020304" pitchFamily="18" charset="0"/>
+              </a:rPr>
+              <a:t>ServletContext</a:t>
+            </a:r>
+            <a:r>
+              <a:rPr lang="en-IN" sz="1800" dirty="0">
+                <a:solidFill>
+                  <a:srgbClr val="000000"/>
+                </a:solidFill>
+                <a:effectLst/>
+                <a:latin typeface="Arial" panose="020B0604020202020204" pitchFamily="34" charset="0"/>
+                <a:ea typeface="Calibri" panose="020F0502020204030204" pitchFamily="34" charset="0"/>
+                <a:cs typeface="Times New Roman" panose="02020603050405020304" pitchFamily="18" charset="0"/>
+              </a:rPr>
+              <a:t> </a:t>
+            </a:r>
+            <a:r>
+              <a:rPr lang="en-IN" sz="1800" dirty="0" err="1">
+                <a:solidFill>
+                  <a:srgbClr val="6A3E3E"/>
+                </a:solidFill>
+                <a:effectLst/>
+                <a:latin typeface="Arial" panose="020B0604020202020204" pitchFamily="34" charset="0"/>
+                <a:ea typeface="Calibri" panose="020F0502020204030204" pitchFamily="34" charset="0"/>
+                <a:cs typeface="Times New Roman" panose="02020603050405020304" pitchFamily="18" charset="0"/>
+              </a:rPr>
+              <a:t>ctx</a:t>
+            </a:r>
+            <a:r>
+              <a:rPr lang="en-IN" sz="1800" dirty="0">
+                <a:solidFill>
+                  <a:srgbClr val="000000"/>
+                </a:solidFill>
+                <a:effectLst/>
+                <a:latin typeface="Arial" panose="020B0604020202020204" pitchFamily="34" charset="0"/>
+                <a:ea typeface="Calibri" panose="020F0502020204030204" pitchFamily="34" charset="0"/>
+                <a:cs typeface="Times New Roman" panose="02020603050405020304" pitchFamily="18" charset="0"/>
+              </a:rPr>
+              <a:t>) </a:t>
+            </a:r>
+            <a:r>
+              <a:rPr lang="en-IN" sz="1800" b="1" dirty="0">
+                <a:solidFill>
+                  <a:srgbClr val="7F0055"/>
+                </a:solidFill>
+                <a:effectLst/>
+                <a:latin typeface="Arial" panose="020B0604020202020204" pitchFamily="34" charset="0"/>
+                <a:ea typeface="Calibri" panose="020F0502020204030204" pitchFamily="34" charset="0"/>
+                <a:cs typeface="Times New Roman" panose="02020603050405020304" pitchFamily="18" charset="0"/>
+              </a:rPr>
+              <a:t>throws</a:t>
+            </a:r>
+            <a:r>
+              <a:rPr lang="en-IN" sz="1800" dirty="0">
+                <a:solidFill>
+                  <a:srgbClr val="000000"/>
+                </a:solidFill>
+                <a:effectLst/>
+                <a:latin typeface="Arial" panose="020B0604020202020204" pitchFamily="34" charset="0"/>
+                <a:ea typeface="Calibri" panose="020F0502020204030204" pitchFamily="34" charset="0"/>
+                <a:cs typeface="Times New Roman" panose="02020603050405020304" pitchFamily="18" charset="0"/>
+              </a:rPr>
+              <a:t> </a:t>
+            </a:r>
+            <a:r>
+              <a:rPr lang="en-IN" sz="1800" dirty="0" err="1">
+                <a:solidFill>
+                  <a:srgbClr val="000000"/>
+                </a:solidFill>
+                <a:effectLst/>
+                <a:latin typeface="Arial" panose="020B0604020202020204" pitchFamily="34" charset="0"/>
+                <a:ea typeface="Calibri" panose="020F0502020204030204" pitchFamily="34" charset="0"/>
+                <a:cs typeface="Times New Roman" panose="02020603050405020304" pitchFamily="18" charset="0"/>
+              </a:rPr>
+              <a:t>ServletException</a:t>
+            </a:r>
+            <a:r>
+              <a:rPr lang="en-IN" sz="1800" dirty="0">
+                <a:solidFill>
+                  <a:srgbClr val="000000"/>
+                </a:solidFill>
+                <a:effectLst/>
+                <a:latin typeface="Arial" panose="020B0604020202020204" pitchFamily="34" charset="0"/>
+                <a:ea typeface="Calibri" panose="020F0502020204030204" pitchFamily="34" charset="0"/>
+                <a:cs typeface="Times New Roman" panose="02020603050405020304" pitchFamily="18" charset="0"/>
+              </a:rPr>
+              <a:t> {</a:t>
+            </a:r>
+            <a:endParaRPr lang="en-IN" sz="1200" dirty="0">
+              <a:effectLst/>
+              <a:latin typeface="Calibri" panose="020F0502020204030204" pitchFamily="34" charset="0"/>
+              <a:ea typeface="Calibri" panose="020F0502020204030204" pitchFamily="34" charset="0"/>
+              <a:cs typeface="Times New Roman" panose="02020603050405020304" pitchFamily="18" charset="0"/>
+            </a:endParaRPr>
+          </a:p>
+          <a:p>
+            <a:pPr>
+              <a:lnSpc>
+                <a:spcPct val="107000"/>
+              </a:lnSpc>
+              <a:spcAft>
+                <a:spcPts val="800"/>
+              </a:spcAft>
+            </a:pPr>
+            <a:r>
+              <a:rPr lang="en-IN" sz="1800" dirty="0">
+                <a:solidFill>
+                  <a:srgbClr val="000000"/>
+                </a:solidFill>
+                <a:effectLst/>
+                <a:latin typeface="Arial" panose="020B0604020202020204" pitchFamily="34" charset="0"/>
+                <a:ea typeface="Calibri" panose="020F0502020204030204" pitchFamily="34" charset="0"/>
+                <a:cs typeface="Times New Roman" panose="02020603050405020304" pitchFamily="18" charset="0"/>
+              </a:rPr>
+              <a:t>        </a:t>
+            </a:r>
+            <a:r>
+              <a:rPr lang="en-IN" sz="1800" dirty="0" err="1">
+                <a:solidFill>
+                  <a:srgbClr val="000000"/>
+                </a:solidFill>
+                <a:effectLst/>
+                <a:latin typeface="Arial" panose="020B0604020202020204" pitchFamily="34" charset="0"/>
+                <a:ea typeface="Calibri" panose="020F0502020204030204" pitchFamily="34" charset="0"/>
+                <a:cs typeface="Times New Roman" panose="02020603050405020304" pitchFamily="18" charset="0"/>
+              </a:rPr>
+              <a:t>AnnotationConfigWebApplicationContext</a:t>
+            </a:r>
+            <a:r>
+              <a:rPr lang="en-IN" sz="1800" dirty="0">
+                <a:solidFill>
+                  <a:srgbClr val="000000"/>
+                </a:solidFill>
+                <a:effectLst/>
+                <a:latin typeface="Arial" panose="020B0604020202020204" pitchFamily="34" charset="0"/>
+                <a:ea typeface="Calibri" panose="020F0502020204030204" pitchFamily="34" charset="0"/>
+                <a:cs typeface="Times New Roman" panose="02020603050405020304" pitchFamily="18" charset="0"/>
+              </a:rPr>
+              <a:t> </a:t>
+            </a:r>
+            <a:r>
+              <a:rPr lang="en-IN" sz="1800" dirty="0" err="1">
+                <a:solidFill>
+                  <a:srgbClr val="6A3E3E"/>
+                </a:solidFill>
+                <a:effectLst/>
+                <a:latin typeface="Arial" panose="020B0604020202020204" pitchFamily="34" charset="0"/>
+                <a:ea typeface="Calibri" panose="020F0502020204030204" pitchFamily="34" charset="0"/>
+                <a:cs typeface="Times New Roman" panose="02020603050405020304" pitchFamily="18" charset="0"/>
+              </a:rPr>
+              <a:t>webCtx</a:t>
+            </a:r>
+            <a:r>
+              <a:rPr lang="en-IN" sz="1800" dirty="0">
+                <a:solidFill>
+                  <a:srgbClr val="000000"/>
+                </a:solidFill>
+                <a:effectLst/>
+                <a:latin typeface="Arial" panose="020B0604020202020204" pitchFamily="34" charset="0"/>
+                <a:ea typeface="Calibri" panose="020F0502020204030204" pitchFamily="34" charset="0"/>
+                <a:cs typeface="Times New Roman" panose="02020603050405020304" pitchFamily="18" charset="0"/>
+              </a:rPr>
+              <a:t> = </a:t>
+            </a:r>
+            <a:r>
+              <a:rPr lang="en-IN" sz="1800" b="1" dirty="0">
+                <a:solidFill>
+                  <a:srgbClr val="7F0055"/>
+                </a:solidFill>
+                <a:effectLst/>
+                <a:latin typeface="Arial" panose="020B0604020202020204" pitchFamily="34" charset="0"/>
+                <a:ea typeface="Calibri" panose="020F0502020204030204" pitchFamily="34" charset="0"/>
+                <a:cs typeface="Times New Roman" panose="02020603050405020304" pitchFamily="18" charset="0"/>
+              </a:rPr>
+              <a:t>new</a:t>
+            </a:r>
+            <a:r>
+              <a:rPr lang="en-IN" sz="1800" dirty="0">
+                <a:solidFill>
+                  <a:srgbClr val="000000"/>
+                </a:solidFill>
+                <a:effectLst/>
+                <a:latin typeface="Arial" panose="020B0604020202020204" pitchFamily="34" charset="0"/>
+                <a:ea typeface="Calibri" panose="020F0502020204030204" pitchFamily="34" charset="0"/>
+                <a:cs typeface="Times New Roman" panose="02020603050405020304" pitchFamily="18" charset="0"/>
+              </a:rPr>
+              <a:t> </a:t>
+            </a:r>
+            <a:r>
+              <a:rPr lang="en-IN" sz="1800" dirty="0" err="1">
+                <a:solidFill>
+                  <a:srgbClr val="000000"/>
+                </a:solidFill>
+                <a:effectLst/>
+                <a:latin typeface="Arial" panose="020B0604020202020204" pitchFamily="34" charset="0"/>
+                <a:ea typeface="Calibri" panose="020F0502020204030204" pitchFamily="34" charset="0"/>
+                <a:cs typeface="Times New Roman" panose="02020603050405020304" pitchFamily="18" charset="0"/>
+              </a:rPr>
+              <a:t>AnnotationConfigWebApplicationContext</a:t>
+            </a:r>
+            <a:r>
+              <a:rPr lang="en-IN" sz="1800" dirty="0">
+                <a:solidFill>
+                  <a:srgbClr val="000000"/>
+                </a:solidFill>
+                <a:effectLst/>
+                <a:latin typeface="Arial" panose="020B0604020202020204" pitchFamily="34" charset="0"/>
+                <a:ea typeface="Calibri" panose="020F0502020204030204" pitchFamily="34" charset="0"/>
+                <a:cs typeface="Times New Roman" panose="02020603050405020304" pitchFamily="18" charset="0"/>
+              </a:rPr>
+              <a:t>();</a:t>
+            </a:r>
+            <a:endParaRPr lang="en-IN" sz="1200" dirty="0">
+              <a:effectLst/>
+              <a:latin typeface="Calibri" panose="020F0502020204030204" pitchFamily="34" charset="0"/>
+              <a:ea typeface="Calibri" panose="020F0502020204030204" pitchFamily="34" charset="0"/>
+              <a:cs typeface="Times New Roman" panose="02020603050405020304" pitchFamily="18" charset="0"/>
+            </a:endParaRPr>
+          </a:p>
+          <a:p>
+            <a:pPr>
+              <a:lnSpc>
+                <a:spcPct val="107000"/>
+              </a:lnSpc>
+              <a:spcAft>
+                <a:spcPts val="800"/>
+              </a:spcAft>
+            </a:pPr>
+            <a:r>
+              <a:rPr lang="en-IN" sz="1800" dirty="0">
+                <a:solidFill>
+                  <a:srgbClr val="000000"/>
+                </a:solidFill>
+                <a:effectLst/>
+                <a:latin typeface="Arial" panose="020B0604020202020204" pitchFamily="34" charset="0"/>
+                <a:ea typeface="Calibri" panose="020F0502020204030204" pitchFamily="34" charset="0"/>
+                <a:cs typeface="Times New Roman" panose="02020603050405020304" pitchFamily="18" charset="0"/>
+              </a:rPr>
+              <a:t>        </a:t>
+            </a:r>
+            <a:r>
+              <a:rPr lang="en-IN" sz="1800" dirty="0" err="1">
+                <a:solidFill>
+                  <a:srgbClr val="6A3E3E"/>
+                </a:solidFill>
+                <a:effectLst/>
+                <a:latin typeface="Arial" panose="020B0604020202020204" pitchFamily="34" charset="0"/>
+                <a:ea typeface="Calibri" panose="020F0502020204030204" pitchFamily="34" charset="0"/>
+                <a:cs typeface="Times New Roman" panose="02020603050405020304" pitchFamily="18" charset="0"/>
+              </a:rPr>
+              <a:t>webCtx</a:t>
+            </a:r>
+            <a:r>
+              <a:rPr lang="en-IN" sz="1800" dirty="0" err="1">
+                <a:solidFill>
+                  <a:srgbClr val="000000"/>
+                </a:solidFill>
+                <a:effectLst/>
+                <a:latin typeface="Arial" panose="020B0604020202020204" pitchFamily="34" charset="0"/>
+                <a:ea typeface="Calibri" panose="020F0502020204030204" pitchFamily="34" charset="0"/>
+                <a:cs typeface="Times New Roman" panose="02020603050405020304" pitchFamily="18" charset="0"/>
+              </a:rPr>
+              <a:t>.register</a:t>
+            </a:r>
+            <a:r>
+              <a:rPr lang="en-IN" sz="1800" dirty="0">
+                <a:solidFill>
+                  <a:srgbClr val="000000"/>
+                </a:solidFill>
+                <a:effectLst/>
+                <a:latin typeface="Arial" panose="020B0604020202020204" pitchFamily="34" charset="0"/>
+                <a:ea typeface="Calibri" panose="020F0502020204030204" pitchFamily="34" charset="0"/>
+                <a:cs typeface="Times New Roman" panose="02020603050405020304" pitchFamily="18" charset="0"/>
+              </a:rPr>
+              <a:t>(</a:t>
+            </a:r>
+            <a:r>
+              <a:rPr lang="en-IN" sz="1800" dirty="0" err="1">
+                <a:solidFill>
+                  <a:srgbClr val="000000"/>
+                </a:solidFill>
+                <a:effectLst/>
+                <a:latin typeface="Arial" panose="020B0604020202020204" pitchFamily="34" charset="0"/>
+                <a:ea typeface="Calibri" panose="020F0502020204030204" pitchFamily="34" charset="0"/>
+                <a:cs typeface="Times New Roman" panose="02020603050405020304" pitchFamily="18" charset="0"/>
+              </a:rPr>
+              <a:t>MyConfiguration.</a:t>
+            </a:r>
+            <a:r>
+              <a:rPr lang="en-IN" sz="1800" b="1" dirty="0" err="1">
+                <a:solidFill>
+                  <a:srgbClr val="7F0055"/>
+                </a:solidFill>
+                <a:effectLst/>
+                <a:latin typeface="Arial" panose="020B0604020202020204" pitchFamily="34" charset="0"/>
+                <a:ea typeface="Calibri" panose="020F0502020204030204" pitchFamily="34" charset="0"/>
+                <a:cs typeface="Times New Roman" panose="02020603050405020304" pitchFamily="18" charset="0"/>
+              </a:rPr>
+              <a:t>class</a:t>
+            </a:r>
+            <a:r>
+              <a:rPr lang="en-IN" sz="1800" dirty="0">
+                <a:solidFill>
+                  <a:srgbClr val="000000"/>
+                </a:solidFill>
+                <a:effectLst/>
+                <a:latin typeface="Arial" panose="020B0604020202020204" pitchFamily="34" charset="0"/>
+                <a:ea typeface="Calibri" panose="020F0502020204030204" pitchFamily="34" charset="0"/>
+                <a:cs typeface="Times New Roman" panose="02020603050405020304" pitchFamily="18" charset="0"/>
+              </a:rPr>
+              <a:t>);</a:t>
+            </a:r>
+            <a:endParaRPr lang="en-IN" sz="1200" dirty="0">
+              <a:effectLst/>
+              <a:latin typeface="Calibri" panose="020F0502020204030204" pitchFamily="34" charset="0"/>
+              <a:ea typeface="Calibri" panose="020F0502020204030204" pitchFamily="34" charset="0"/>
+              <a:cs typeface="Times New Roman" panose="02020603050405020304" pitchFamily="18" charset="0"/>
+            </a:endParaRPr>
+          </a:p>
+          <a:p>
+            <a:pPr>
+              <a:lnSpc>
+                <a:spcPct val="107000"/>
+              </a:lnSpc>
+              <a:spcAft>
+                <a:spcPts val="800"/>
+              </a:spcAft>
+            </a:pPr>
+            <a:r>
+              <a:rPr lang="en-IN" sz="1800" dirty="0">
+                <a:solidFill>
+                  <a:srgbClr val="000000"/>
+                </a:solidFill>
+                <a:effectLst/>
+                <a:latin typeface="Arial" panose="020B0604020202020204" pitchFamily="34" charset="0"/>
+                <a:ea typeface="Calibri" panose="020F0502020204030204" pitchFamily="34" charset="0"/>
+                <a:cs typeface="Times New Roman" panose="02020603050405020304" pitchFamily="18" charset="0"/>
+              </a:rPr>
+              <a:t>        </a:t>
+            </a:r>
+            <a:r>
+              <a:rPr lang="en-IN" sz="1800" dirty="0" err="1">
+                <a:solidFill>
+                  <a:srgbClr val="6A3E3E"/>
+                </a:solidFill>
+                <a:effectLst/>
+                <a:latin typeface="Arial" panose="020B0604020202020204" pitchFamily="34" charset="0"/>
+                <a:ea typeface="Calibri" panose="020F0502020204030204" pitchFamily="34" charset="0"/>
+                <a:cs typeface="Times New Roman" panose="02020603050405020304" pitchFamily="18" charset="0"/>
+              </a:rPr>
+              <a:t>webCtx</a:t>
+            </a:r>
+            <a:r>
+              <a:rPr lang="en-IN" sz="1800" dirty="0" err="1">
+                <a:solidFill>
+                  <a:srgbClr val="000000"/>
+                </a:solidFill>
+                <a:effectLst/>
+                <a:latin typeface="Arial" panose="020B0604020202020204" pitchFamily="34" charset="0"/>
+                <a:ea typeface="Calibri" panose="020F0502020204030204" pitchFamily="34" charset="0"/>
+                <a:cs typeface="Times New Roman" panose="02020603050405020304" pitchFamily="18" charset="0"/>
+              </a:rPr>
+              <a:t>.setServletContext</a:t>
+            </a:r>
+            <a:r>
+              <a:rPr lang="en-IN" sz="1800" dirty="0">
+                <a:solidFill>
+                  <a:srgbClr val="000000"/>
+                </a:solidFill>
+                <a:effectLst/>
+                <a:latin typeface="Arial" panose="020B0604020202020204" pitchFamily="34" charset="0"/>
+                <a:ea typeface="Calibri" panose="020F0502020204030204" pitchFamily="34" charset="0"/>
+                <a:cs typeface="Times New Roman" panose="02020603050405020304" pitchFamily="18" charset="0"/>
+              </a:rPr>
+              <a:t>(</a:t>
+            </a:r>
+            <a:r>
+              <a:rPr lang="en-IN" sz="1800" dirty="0" err="1">
+                <a:solidFill>
+                  <a:srgbClr val="6A3E3E"/>
+                </a:solidFill>
+                <a:effectLst/>
+                <a:latin typeface="Arial" panose="020B0604020202020204" pitchFamily="34" charset="0"/>
+                <a:ea typeface="Calibri" panose="020F0502020204030204" pitchFamily="34" charset="0"/>
+                <a:cs typeface="Times New Roman" panose="02020603050405020304" pitchFamily="18" charset="0"/>
+              </a:rPr>
+              <a:t>ctx</a:t>
+            </a:r>
+            <a:r>
+              <a:rPr lang="en-IN" sz="1800" dirty="0">
+                <a:solidFill>
+                  <a:srgbClr val="000000"/>
+                </a:solidFill>
+                <a:effectLst/>
+                <a:latin typeface="Arial" panose="020B0604020202020204" pitchFamily="34" charset="0"/>
+                <a:ea typeface="Calibri" panose="020F0502020204030204" pitchFamily="34" charset="0"/>
+                <a:cs typeface="Times New Roman" panose="02020603050405020304" pitchFamily="18" charset="0"/>
+              </a:rPr>
+              <a:t>);</a:t>
+            </a:r>
+            <a:endParaRPr lang="en-IN" sz="1200" dirty="0">
+              <a:effectLst/>
+              <a:latin typeface="Calibri" panose="020F0502020204030204" pitchFamily="34" charset="0"/>
+              <a:ea typeface="Calibri" panose="020F0502020204030204" pitchFamily="34" charset="0"/>
+              <a:cs typeface="Times New Roman" panose="02020603050405020304" pitchFamily="18" charset="0"/>
+            </a:endParaRPr>
+          </a:p>
+          <a:p>
+            <a:pPr>
+              <a:lnSpc>
+                <a:spcPct val="107000"/>
+              </a:lnSpc>
+              <a:spcAft>
+                <a:spcPts val="800"/>
+              </a:spcAft>
+            </a:pPr>
+            <a:r>
+              <a:rPr lang="en-IN" sz="1800" dirty="0">
+                <a:solidFill>
+                  <a:srgbClr val="000000"/>
+                </a:solidFill>
+                <a:effectLst/>
+                <a:latin typeface="Arial" panose="020B0604020202020204" pitchFamily="34" charset="0"/>
+                <a:ea typeface="Calibri" panose="020F0502020204030204" pitchFamily="34" charset="0"/>
+                <a:cs typeface="Times New Roman" panose="02020603050405020304" pitchFamily="18" charset="0"/>
+              </a:rPr>
+              <a:t>        </a:t>
+            </a:r>
+            <a:r>
+              <a:rPr lang="en-IN" sz="1800" dirty="0" err="1">
+                <a:solidFill>
+                  <a:srgbClr val="000000"/>
+                </a:solidFill>
+                <a:effectLst/>
+                <a:latin typeface="Arial" panose="020B0604020202020204" pitchFamily="34" charset="0"/>
+                <a:ea typeface="Calibri" panose="020F0502020204030204" pitchFamily="34" charset="0"/>
+                <a:cs typeface="Times New Roman" panose="02020603050405020304" pitchFamily="18" charset="0"/>
+              </a:rPr>
+              <a:t>ServletRegistration.Dynamic</a:t>
+            </a:r>
+            <a:r>
+              <a:rPr lang="en-IN" sz="1800" dirty="0">
+                <a:solidFill>
+                  <a:srgbClr val="000000"/>
+                </a:solidFill>
+                <a:effectLst/>
+                <a:latin typeface="Arial" panose="020B0604020202020204" pitchFamily="34" charset="0"/>
+                <a:ea typeface="Calibri" panose="020F0502020204030204" pitchFamily="34" charset="0"/>
+                <a:cs typeface="Times New Roman" panose="02020603050405020304" pitchFamily="18" charset="0"/>
+              </a:rPr>
+              <a:t> </a:t>
+            </a:r>
+            <a:r>
+              <a:rPr lang="en-IN" sz="1800" dirty="0">
+                <a:solidFill>
+                  <a:srgbClr val="6A3E3E"/>
+                </a:solidFill>
+                <a:effectLst/>
+                <a:latin typeface="Arial" panose="020B0604020202020204" pitchFamily="34" charset="0"/>
+                <a:ea typeface="Calibri" panose="020F0502020204030204" pitchFamily="34" charset="0"/>
+                <a:cs typeface="Times New Roman" panose="02020603050405020304" pitchFamily="18" charset="0"/>
+              </a:rPr>
+              <a:t>servlet</a:t>
+            </a:r>
+            <a:r>
+              <a:rPr lang="en-IN" sz="1800" dirty="0">
+                <a:solidFill>
+                  <a:srgbClr val="000000"/>
+                </a:solidFill>
+                <a:effectLst/>
+                <a:latin typeface="Arial" panose="020B0604020202020204" pitchFamily="34" charset="0"/>
+                <a:ea typeface="Calibri" panose="020F0502020204030204" pitchFamily="34" charset="0"/>
+                <a:cs typeface="Times New Roman" panose="02020603050405020304" pitchFamily="18" charset="0"/>
+              </a:rPr>
+              <a:t> = </a:t>
+            </a:r>
+            <a:r>
+              <a:rPr lang="en-IN" sz="1800" dirty="0" err="1">
+                <a:solidFill>
+                  <a:srgbClr val="6A3E3E"/>
+                </a:solidFill>
+                <a:effectLst/>
+                <a:latin typeface="Arial" panose="020B0604020202020204" pitchFamily="34" charset="0"/>
+                <a:ea typeface="Calibri" panose="020F0502020204030204" pitchFamily="34" charset="0"/>
+                <a:cs typeface="Times New Roman" panose="02020603050405020304" pitchFamily="18" charset="0"/>
+              </a:rPr>
+              <a:t>ctx</a:t>
+            </a:r>
+            <a:r>
+              <a:rPr lang="en-IN" sz="1800" dirty="0" err="1">
+                <a:solidFill>
+                  <a:srgbClr val="000000"/>
+                </a:solidFill>
+                <a:effectLst/>
+                <a:latin typeface="Arial" panose="020B0604020202020204" pitchFamily="34" charset="0"/>
+                <a:ea typeface="Calibri" panose="020F0502020204030204" pitchFamily="34" charset="0"/>
+                <a:cs typeface="Times New Roman" panose="02020603050405020304" pitchFamily="18" charset="0"/>
+              </a:rPr>
+              <a:t>.addServlet</a:t>
+            </a:r>
+            <a:r>
+              <a:rPr lang="en-IN" sz="1800" dirty="0">
+                <a:solidFill>
+                  <a:srgbClr val="000000"/>
+                </a:solidFill>
+                <a:effectLst/>
+                <a:latin typeface="Arial" panose="020B0604020202020204" pitchFamily="34" charset="0"/>
+                <a:ea typeface="Calibri" panose="020F0502020204030204" pitchFamily="34" charset="0"/>
+                <a:cs typeface="Times New Roman" panose="02020603050405020304" pitchFamily="18" charset="0"/>
+              </a:rPr>
+              <a:t>(</a:t>
+            </a:r>
+            <a:r>
+              <a:rPr lang="en-IN" sz="1800" dirty="0">
+                <a:solidFill>
+                  <a:srgbClr val="2A00FF"/>
+                </a:solidFill>
+                <a:effectLst/>
+                <a:latin typeface="Arial" panose="020B0604020202020204" pitchFamily="34" charset="0"/>
+                <a:ea typeface="Calibri" panose="020F0502020204030204" pitchFamily="34" charset="0"/>
+                <a:cs typeface="Times New Roman" panose="02020603050405020304" pitchFamily="18" charset="0"/>
+              </a:rPr>
+              <a:t>"dispatcher"</a:t>
+            </a:r>
+            <a:r>
+              <a:rPr lang="en-IN" sz="1800" dirty="0">
+                <a:solidFill>
+                  <a:srgbClr val="000000"/>
+                </a:solidFill>
+                <a:effectLst/>
+                <a:latin typeface="Arial" panose="020B0604020202020204" pitchFamily="34" charset="0"/>
+                <a:ea typeface="Calibri" panose="020F0502020204030204" pitchFamily="34" charset="0"/>
+                <a:cs typeface="Times New Roman" panose="02020603050405020304" pitchFamily="18" charset="0"/>
+              </a:rPr>
+              <a:t>, </a:t>
+            </a:r>
+            <a:r>
+              <a:rPr lang="en-IN" sz="1800" b="1" dirty="0">
+                <a:solidFill>
+                  <a:srgbClr val="7F0055"/>
+                </a:solidFill>
+                <a:effectLst/>
+                <a:latin typeface="Arial" panose="020B0604020202020204" pitchFamily="34" charset="0"/>
+                <a:ea typeface="Calibri" panose="020F0502020204030204" pitchFamily="34" charset="0"/>
+                <a:cs typeface="Times New Roman" panose="02020603050405020304" pitchFamily="18" charset="0"/>
+              </a:rPr>
+              <a:t>new</a:t>
+            </a:r>
+            <a:r>
+              <a:rPr lang="en-IN" sz="1800" dirty="0">
+                <a:solidFill>
+                  <a:srgbClr val="000000"/>
+                </a:solidFill>
+                <a:effectLst/>
+                <a:latin typeface="Arial" panose="020B0604020202020204" pitchFamily="34" charset="0"/>
+                <a:ea typeface="Calibri" panose="020F0502020204030204" pitchFamily="34" charset="0"/>
+                <a:cs typeface="Times New Roman" panose="02020603050405020304" pitchFamily="18" charset="0"/>
+              </a:rPr>
+              <a:t> </a:t>
+            </a:r>
+            <a:r>
+              <a:rPr lang="en-IN" sz="1800" dirty="0" err="1">
+                <a:solidFill>
+                  <a:srgbClr val="000000"/>
+                </a:solidFill>
+                <a:effectLst/>
+                <a:latin typeface="Arial" panose="020B0604020202020204" pitchFamily="34" charset="0"/>
+                <a:ea typeface="Calibri" panose="020F0502020204030204" pitchFamily="34" charset="0"/>
+                <a:cs typeface="Times New Roman" panose="02020603050405020304" pitchFamily="18" charset="0"/>
+              </a:rPr>
+              <a:t>DispatcherServlet</a:t>
+            </a:r>
+            <a:r>
+              <a:rPr lang="en-IN" sz="1800" dirty="0">
+                <a:solidFill>
+                  <a:srgbClr val="000000"/>
+                </a:solidFill>
+                <a:effectLst/>
+                <a:latin typeface="Arial" panose="020B0604020202020204" pitchFamily="34" charset="0"/>
+                <a:ea typeface="Calibri" panose="020F0502020204030204" pitchFamily="34" charset="0"/>
+                <a:cs typeface="Times New Roman" panose="02020603050405020304" pitchFamily="18" charset="0"/>
+              </a:rPr>
+              <a:t>(</a:t>
+            </a:r>
+            <a:r>
+              <a:rPr lang="en-IN" sz="1800" dirty="0" err="1">
+                <a:solidFill>
+                  <a:srgbClr val="6A3E3E"/>
+                </a:solidFill>
+                <a:effectLst/>
+                <a:latin typeface="Arial" panose="020B0604020202020204" pitchFamily="34" charset="0"/>
+                <a:ea typeface="Calibri" panose="020F0502020204030204" pitchFamily="34" charset="0"/>
+                <a:cs typeface="Times New Roman" panose="02020603050405020304" pitchFamily="18" charset="0"/>
+              </a:rPr>
+              <a:t>webCtx</a:t>
+            </a:r>
+            <a:r>
+              <a:rPr lang="en-IN" sz="1800" dirty="0">
+                <a:solidFill>
+                  <a:srgbClr val="000000"/>
+                </a:solidFill>
+                <a:effectLst/>
+                <a:latin typeface="Arial" panose="020B0604020202020204" pitchFamily="34" charset="0"/>
+                <a:ea typeface="Calibri" panose="020F0502020204030204" pitchFamily="34" charset="0"/>
+                <a:cs typeface="Times New Roman" panose="02020603050405020304" pitchFamily="18" charset="0"/>
+              </a:rPr>
+              <a:t>));</a:t>
+            </a:r>
+            <a:endParaRPr lang="en-IN" sz="1200" dirty="0">
+              <a:effectLst/>
+              <a:latin typeface="Calibri" panose="020F0502020204030204" pitchFamily="34" charset="0"/>
+              <a:ea typeface="Calibri" panose="020F0502020204030204" pitchFamily="34" charset="0"/>
+              <a:cs typeface="Times New Roman" panose="02020603050405020304" pitchFamily="18" charset="0"/>
+            </a:endParaRPr>
+          </a:p>
+          <a:p>
+            <a:pPr>
+              <a:lnSpc>
+                <a:spcPct val="107000"/>
+              </a:lnSpc>
+              <a:spcAft>
+                <a:spcPts val="800"/>
+              </a:spcAft>
+            </a:pPr>
+            <a:r>
+              <a:rPr lang="en-IN" sz="1800" dirty="0">
+                <a:solidFill>
+                  <a:srgbClr val="000000"/>
+                </a:solidFill>
+                <a:effectLst/>
+                <a:latin typeface="Arial" panose="020B0604020202020204" pitchFamily="34" charset="0"/>
+                <a:ea typeface="Calibri" panose="020F0502020204030204" pitchFamily="34" charset="0"/>
+                <a:cs typeface="Times New Roman" panose="02020603050405020304" pitchFamily="18" charset="0"/>
+              </a:rPr>
+              <a:t>        </a:t>
+            </a:r>
+            <a:r>
+              <a:rPr lang="en-IN" sz="1800" dirty="0" err="1">
+                <a:solidFill>
+                  <a:srgbClr val="6A3E3E"/>
+                </a:solidFill>
+                <a:effectLst/>
+                <a:latin typeface="Arial" panose="020B0604020202020204" pitchFamily="34" charset="0"/>
+                <a:ea typeface="Calibri" panose="020F0502020204030204" pitchFamily="34" charset="0"/>
+                <a:cs typeface="Times New Roman" panose="02020603050405020304" pitchFamily="18" charset="0"/>
+              </a:rPr>
+              <a:t>servlet</a:t>
+            </a:r>
+            <a:r>
+              <a:rPr lang="en-IN" sz="1800" dirty="0" err="1">
+                <a:solidFill>
+                  <a:srgbClr val="000000"/>
+                </a:solidFill>
+                <a:effectLst/>
+                <a:latin typeface="Arial" panose="020B0604020202020204" pitchFamily="34" charset="0"/>
+                <a:ea typeface="Calibri" panose="020F0502020204030204" pitchFamily="34" charset="0"/>
+                <a:cs typeface="Times New Roman" panose="02020603050405020304" pitchFamily="18" charset="0"/>
+              </a:rPr>
+              <a:t>.setLoadOnStartup</a:t>
+            </a:r>
+            <a:r>
+              <a:rPr lang="en-IN" sz="1800" dirty="0">
+                <a:solidFill>
+                  <a:srgbClr val="000000"/>
+                </a:solidFill>
+                <a:effectLst/>
+                <a:latin typeface="Arial" panose="020B0604020202020204" pitchFamily="34" charset="0"/>
+                <a:ea typeface="Calibri" panose="020F0502020204030204" pitchFamily="34" charset="0"/>
+                <a:cs typeface="Times New Roman" panose="02020603050405020304" pitchFamily="18" charset="0"/>
+              </a:rPr>
+              <a:t>(1);</a:t>
+            </a:r>
+            <a:endParaRPr lang="en-IN" sz="1200" dirty="0">
+              <a:effectLst/>
+              <a:latin typeface="Calibri" panose="020F0502020204030204" pitchFamily="34" charset="0"/>
+              <a:ea typeface="Calibri" panose="020F0502020204030204" pitchFamily="34" charset="0"/>
+              <a:cs typeface="Times New Roman" panose="02020603050405020304" pitchFamily="18" charset="0"/>
+            </a:endParaRPr>
+          </a:p>
+          <a:p>
+            <a:pPr>
+              <a:lnSpc>
+                <a:spcPct val="107000"/>
+              </a:lnSpc>
+              <a:spcAft>
+                <a:spcPts val="800"/>
+              </a:spcAft>
+            </a:pPr>
+            <a:r>
+              <a:rPr lang="en-IN" sz="1800" dirty="0">
+                <a:solidFill>
+                  <a:srgbClr val="000000"/>
+                </a:solidFill>
+                <a:effectLst/>
+                <a:latin typeface="Arial" panose="020B0604020202020204" pitchFamily="34" charset="0"/>
+                <a:ea typeface="Calibri" panose="020F0502020204030204" pitchFamily="34" charset="0"/>
+                <a:cs typeface="Times New Roman" panose="02020603050405020304" pitchFamily="18" charset="0"/>
+              </a:rPr>
+              <a:t>        </a:t>
+            </a:r>
+            <a:r>
+              <a:rPr lang="en-IN" sz="1800" dirty="0" err="1">
+                <a:solidFill>
+                  <a:srgbClr val="6A3E3E"/>
+                </a:solidFill>
+                <a:effectLst/>
+                <a:latin typeface="Arial" panose="020B0604020202020204" pitchFamily="34" charset="0"/>
+                <a:ea typeface="Calibri" panose="020F0502020204030204" pitchFamily="34" charset="0"/>
+                <a:cs typeface="Times New Roman" panose="02020603050405020304" pitchFamily="18" charset="0"/>
+              </a:rPr>
+              <a:t>servlet</a:t>
+            </a:r>
+            <a:r>
+              <a:rPr lang="en-IN" sz="1800" dirty="0" err="1">
+                <a:solidFill>
+                  <a:srgbClr val="000000"/>
+                </a:solidFill>
+                <a:effectLst/>
+                <a:latin typeface="Arial" panose="020B0604020202020204" pitchFamily="34" charset="0"/>
+                <a:ea typeface="Calibri" panose="020F0502020204030204" pitchFamily="34" charset="0"/>
+                <a:cs typeface="Times New Roman" panose="02020603050405020304" pitchFamily="18" charset="0"/>
+              </a:rPr>
+              <a:t>.addMapping</a:t>
+            </a:r>
+            <a:r>
+              <a:rPr lang="en-IN" sz="1800" dirty="0">
+                <a:solidFill>
+                  <a:srgbClr val="000000"/>
+                </a:solidFill>
+                <a:effectLst/>
+                <a:latin typeface="Arial" panose="020B0604020202020204" pitchFamily="34" charset="0"/>
+                <a:ea typeface="Calibri" panose="020F0502020204030204" pitchFamily="34" charset="0"/>
+                <a:cs typeface="Times New Roman" panose="02020603050405020304" pitchFamily="18" charset="0"/>
+              </a:rPr>
+              <a:t>(</a:t>
+            </a:r>
+            <a:r>
+              <a:rPr lang="en-IN" sz="1800" dirty="0">
+                <a:solidFill>
+                  <a:srgbClr val="2A00FF"/>
+                </a:solidFill>
+                <a:effectLst/>
+                <a:latin typeface="Arial" panose="020B0604020202020204" pitchFamily="34" charset="0"/>
+                <a:ea typeface="Calibri" panose="020F0502020204030204" pitchFamily="34" charset="0"/>
+                <a:cs typeface="Times New Roman" panose="02020603050405020304" pitchFamily="18" charset="0"/>
+              </a:rPr>
+              <a:t>"/"</a:t>
+            </a:r>
+            <a:r>
+              <a:rPr lang="en-IN" sz="1800" dirty="0">
+                <a:solidFill>
+                  <a:srgbClr val="000000"/>
+                </a:solidFill>
+                <a:effectLst/>
+                <a:latin typeface="Arial" panose="020B0604020202020204" pitchFamily="34" charset="0"/>
+                <a:ea typeface="Calibri" panose="020F0502020204030204" pitchFamily="34" charset="0"/>
+                <a:cs typeface="Times New Roman" panose="02020603050405020304" pitchFamily="18" charset="0"/>
+              </a:rPr>
+              <a:t>);</a:t>
+            </a:r>
+            <a:endParaRPr lang="en-IN" sz="1200" dirty="0">
+              <a:effectLst/>
+              <a:latin typeface="Calibri" panose="020F0502020204030204" pitchFamily="34" charset="0"/>
+              <a:ea typeface="Calibri" panose="020F0502020204030204" pitchFamily="34" charset="0"/>
+              <a:cs typeface="Times New Roman" panose="02020603050405020304" pitchFamily="18" charset="0"/>
+            </a:endParaRPr>
+          </a:p>
+          <a:p>
+            <a:pPr>
+              <a:lnSpc>
+                <a:spcPct val="107000"/>
+              </a:lnSpc>
+              <a:spcAft>
+                <a:spcPts val="800"/>
+              </a:spcAft>
+            </a:pPr>
+            <a:r>
+              <a:rPr lang="en-IN" sz="1800" dirty="0">
+                <a:solidFill>
+                  <a:srgbClr val="000000"/>
+                </a:solidFill>
+                <a:effectLst/>
+                <a:latin typeface="Arial" panose="020B0604020202020204" pitchFamily="34" charset="0"/>
+                <a:ea typeface="Calibri" panose="020F0502020204030204" pitchFamily="34" charset="0"/>
+                <a:cs typeface="Times New Roman" panose="02020603050405020304" pitchFamily="18" charset="0"/>
+              </a:rPr>
+              <a:t>    }</a:t>
+            </a:r>
+            <a:endParaRPr lang="en-IN" sz="1200" dirty="0">
+              <a:effectLst/>
+              <a:latin typeface="Calibri" panose="020F0502020204030204" pitchFamily="34" charset="0"/>
+              <a:ea typeface="Calibri" panose="020F0502020204030204" pitchFamily="34" charset="0"/>
+              <a:cs typeface="Times New Roman" panose="02020603050405020304" pitchFamily="18" charset="0"/>
+            </a:endParaRPr>
+          </a:p>
+          <a:p>
+            <a:pPr>
+              <a:lnSpc>
+                <a:spcPct val="107000"/>
+              </a:lnSpc>
+              <a:spcAft>
+                <a:spcPts val="800"/>
+              </a:spcAft>
+            </a:pPr>
+            <a:r>
+              <a:rPr lang="en-IN" sz="1800" dirty="0">
+                <a:solidFill>
+                  <a:srgbClr val="000000"/>
+                </a:solidFill>
+                <a:effectLst/>
+                <a:latin typeface="Arial" panose="020B0604020202020204" pitchFamily="34" charset="0"/>
+                <a:ea typeface="Calibri" panose="020F0502020204030204" pitchFamily="34" charset="0"/>
+                <a:cs typeface="Times New Roman" panose="02020603050405020304" pitchFamily="18" charset="0"/>
+              </a:rPr>
+              <a:t>}</a:t>
+            </a:r>
+            <a:endParaRPr lang="en-IN" sz="1200" dirty="0">
+              <a:effectLst/>
+              <a:latin typeface="Calibri" panose="020F0502020204030204" pitchFamily="34" charset="0"/>
+              <a:ea typeface="Calibri" panose="020F0502020204030204" pitchFamily="34" charset="0"/>
+              <a:cs typeface="Times New Roman" panose="02020603050405020304" pitchFamily="18" charset="0"/>
+            </a:endParaRPr>
+          </a:p>
+        </p:txBody>
+      </p:sp>
+      <p:sp>
+        <p:nvSpPr>
+          <p:cNvPr id="4" name="TextBox 3">
+            <a:extLst>
+              <a:ext uri="{FF2B5EF4-FFF2-40B4-BE49-F238E27FC236}">
+                <a16:creationId xmlns:a16="http://schemas.microsoft.com/office/drawing/2014/main" id="{F35C1B05-39C8-47E4-B937-0D25D9B00BFC}"/>
+              </a:ext>
+            </a:extLst>
+          </p:cNvPr>
+          <p:cNvSpPr txBox="1"/>
+          <p:nvPr/>
+        </p:nvSpPr>
+        <p:spPr>
+          <a:xfrm>
+            <a:off x="3009900" y="266700"/>
+            <a:ext cx="4552950" cy="369332"/>
+          </a:xfrm>
+          <a:prstGeom prst="rect">
+            <a:avLst/>
+          </a:prstGeom>
+        </p:spPr>
+        <p:style>
+          <a:lnRef idx="2">
+            <a:schemeClr val="accent1">
+              <a:shade val="50000"/>
+            </a:schemeClr>
+          </a:lnRef>
+          <a:fillRef idx="1">
+            <a:schemeClr val="accent1"/>
+          </a:fillRef>
+          <a:effectRef idx="0">
+            <a:schemeClr val="accent1"/>
+          </a:effectRef>
+          <a:fontRef idx="minor">
+            <a:schemeClr val="lt1"/>
+          </a:fontRef>
+        </p:style>
+        <p:txBody>
+          <a:bodyPr wrap="square" rtlCol="0">
+            <a:spAutoFit/>
+          </a:bodyPr>
+          <a:lstStyle/>
+          <a:p>
+            <a:pPr algn="ctr"/>
+            <a:r>
+              <a:rPr lang="en-US" dirty="0"/>
+              <a:t>Web App using Java Configuration</a:t>
+            </a:r>
+            <a:endParaRPr lang="en-IN" dirty="0"/>
+          </a:p>
+        </p:txBody>
+      </p:sp>
+      <p:sp>
+        <p:nvSpPr>
+          <p:cNvPr id="7" name="Footer Placeholder 6">
+            <a:extLst>
+              <a:ext uri="{FF2B5EF4-FFF2-40B4-BE49-F238E27FC236}">
+                <a16:creationId xmlns:a16="http://schemas.microsoft.com/office/drawing/2014/main" id="{A392F6E8-B0C8-4614-A94B-F24735DEEEB5}"/>
+              </a:ext>
+            </a:extLst>
+          </p:cNvPr>
+          <p:cNvSpPr>
+            <a:spLocks noGrp="1"/>
+          </p:cNvSpPr>
+          <p:nvPr>
+            <p:ph type="ftr" sz="quarter" idx="11"/>
+          </p:nvPr>
+        </p:nvSpPr>
+        <p:spPr/>
+        <p:txBody>
+          <a:bodyPr/>
+          <a:lstStyle/>
+          <a:p>
+            <a:r>
+              <a:rPr lang="en-US"/>
+              <a:t>Prepared by Radha V Krishna</a:t>
+            </a:r>
+            <a:endParaRPr lang="en-IN"/>
+          </a:p>
+        </p:txBody>
+      </p:sp>
+    </p:spTree>
+    <p:extLst>
+      <p:ext uri="{BB962C8B-B14F-4D97-AF65-F5344CB8AC3E}">
+        <p14:creationId xmlns:p14="http://schemas.microsoft.com/office/powerpoint/2010/main" val="1909332814"/>
       </p:ext>
     </p:extLst>
   </p:cSld>
@@ -14851,4 +17634,299 @@
     </a:ext>
   </a:extLst>
 </a:theme>
+</file>
+
+<file path=ppt/theme/theme2.xml><?xml version="1.0" encoding="utf-8"?>
+<a:theme xmlns:a="http://schemas.openxmlformats.org/drawingml/2006/main" name="Office Theme">
+  <a:themeElements>
+    <a:clrScheme name="Office">
+      <a:dk1>
+        <a:sysClr val="windowText" lastClr="000000"/>
+      </a:dk1>
+      <a:lt1>
+        <a:sysClr val="window" lastClr="FFFFFF"/>
+      </a:lt1>
+      <a:dk2>
+        <a:srgbClr val="44546A"/>
+      </a:dk2>
+      <a:lt2>
+        <a:srgbClr val="E7E6E6"/>
+      </a:lt2>
+      <a:accent1>
+        <a:srgbClr val="4472C4"/>
+      </a:accent1>
+      <a:accent2>
+        <a:srgbClr val="ED7D31"/>
+      </a:accent2>
+      <a:accent3>
+        <a:srgbClr val="A5A5A5"/>
+      </a:accent3>
+      <a:accent4>
+        <a:srgbClr val="FFC000"/>
+      </a:accent4>
+      <a:accent5>
+        <a:srgbClr val="5B9BD5"/>
+      </a:accent5>
+      <a:accent6>
+        <a:srgbClr val="70AD47"/>
+      </a:accent6>
+      <a:hlink>
+        <a:srgbClr val="0563C1"/>
+      </a:hlink>
+      <a:folHlink>
+        <a:srgbClr val="954F72"/>
+      </a:folHlink>
+    </a:clrScheme>
+    <a:fontScheme name="Office">
+      <a:majorFont>
+        <a:latin typeface="Calibri Light" panose="020F0302020204030204"/>
+        <a:ea typeface=""/>
+        <a:cs typeface=""/>
+        <a:font script="Jpan" typeface="游ゴシック Light"/>
+        <a:font script="Hang" typeface="맑은 고딕"/>
+        <a:font script="Hans" typeface="等线 Light"/>
+        <a:font script="Hant" typeface="新細明體"/>
+        <a:font script="Arab" typeface="Times New Roman"/>
+        <a:font script="Hebr" typeface="Times New Roman"/>
+        <a:font script="Thai" typeface="Angsana New"/>
+        <a:font script="Ethi" typeface="Nyala"/>
+        <a:font script="Beng" typeface="Vrinda"/>
+        <a:font script="Gujr" typeface="Shruti"/>
+        <a:font script="Khmr" typeface="MoolBoran"/>
+        <a:font script="Knda" typeface="Tunga"/>
+        <a:font script="Guru" typeface="Raavi"/>
+        <a:font script="Cans" typeface="Euphemia"/>
+        <a:font script="Cher" typeface="Plantagenet Cherokee"/>
+        <a:font script="Yiii" typeface="Microsoft Yi Baiti"/>
+        <a:font script="Tibt" typeface="Microsoft Himalaya"/>
+        <a:font script="Thaa" typeface="MV Boli"/>
+        <a:font script="Deva" typeface="Mangal"/>
+        <a:font script="Telu" typeface="Gautami"/>
+        <a:font script="Taml" typeface="Latha"/>
+        <a:font script="Syrc" typeface="Estrangelo Edessa"/>
+        <a:font script="Orya" typeface="Kalinga"/>
+        <a:font script="Mlym" typeface="Kartika"/>
+        <a:font script="Laoo" typeface="DokChampa"/>
+        <a:font script="Sinh" typeface="Iskoola Pota"/>
+        <a:font script="Mong" typeface="Mongolian Baiti"/>
+        <a:font script="Viet" typeface="Times New Roman"/>
+        <a:font script="Uigh" typeface="Microsoft Uighur"/>
+        <a:font script="Geor" typeface="Sylfaen"/>
+        <a:font script="Armn" typeface="Arial"/>
+        <a:font script="Bugi" typeface="Leelawadee UI"/>
+        <a:font script="Bopo" typeface="Microsoft JhengHei"/>
+        <a:font script="Java" typeface="Javanese Text"/>
+        <a:font script="Lisu" typeface="Segoe UI"/>
+        <a:font script="Mymr" typeface="Myanmar Text"/>
+        <a:font script="Nkoo" typeface="Ebrima"/>
+        <a:font script="Olck" typeface="Nirmala UI"/>
+        <a:font script="Osma" typeface="Ebrima"/>
+        <a:font script="Phag" typeface="Phagspa"/>
+        <a:font script="Syrn" typeface="Estrangelo Edessa"/>
+        <a:font script="Syrj" typeface="Estrangelo Edessa"/>
+        <a:font script="Syre" typeface="Estrangelo Edessa"/>
+        <a:font script="Sora" typeface="Nirmala UI"/>
+        <a:font script="Tale" typeface="Microsoft Tai Le"/>
+        <a:font script="Talu" typeface="Microsoft New Tai Lue"/>
+        <a:font script="Tfng" typeface="Ebrima"/>
+      </a:majorFont>
+      <a:minorFont>
+        <a:latin typeface="Calibri" panose="020F0502020204030204"/>
+        <a:ea typeface=""/>
+        <a:cs typeface=""/>
+        <a:font script="Jpan" typeface="游ゴシック"/>
+        <a:font script="Hang" typeface="맑은 고딕"/>
+        <a:font script="Hans" typeface="等线"/>
+        <a:font script="Hant" typeface="新細明體"/>
+        <a:font script="Arab" typeface="Arial"/>
+        <a:font script="Hebr" typeface="Arial"/>
+        <a:font script="Thai" typeface="Cordia New"/>
+        <a:font script="Ethi" typeface="Nyala"/>
+        <a:font script="Beng" typeface="Vrinda"/>
+        <a:font script="Gujr" typeface="Shruti"/>
+        <a:font script="Khmr" typeface="DaunPenh"/>
+        <a:font script="Knda" typeface="Tunga"/>
+        <a:font script="Guru" typeface="Raavi"/>
+        <a:font script="Cans" typeface="Euphemia"/>
+        <a:font script="Cher" typeface="Plantagenet Cherokee"/>
+        <a:font script="Yiii" typeface="Microsoft Yi Baiti"/>
+        <a:font script="Tibt" typeface="Microsoft Himalaya"/>
+        <a:font script="Thaa" typeface="MV Boli"/>
+        <a:font script="Deva" typeface="Mangal"/>
+        <a:font script="Telu" typeface="Gautami"/>
+        <a:font script="Taml" typeface="Latha"/>
+        <a:font script="Syrc" typeface="Estrangelo Edessa"/>
+        <a:font script="Orya" typeface="Kalinga"/>
+        <a:font script="Mlym" typeface="Kartika"/>
+        <a:font script="Laoo" typeface="DokChampa"/>
+        <a:font script="Sinh" typeface="Iskoola Pota"/>
+        <a:font script="Mong" typeface="Mongolian Baiti"/>
+        <a:font script="Viet" typeface="Arial"/>
+        <a:font script="Uigh" typeface="Microsoft Uighur"/>
+        <a:font script="Geor" typeface="Sylfaen"/>
+        <a:font script="Armn" typeface="Arial"/>
+        <a:font script="Bugi" typeface="Leelawadee UI"/>
+        <a:font script="Bopo" typeface="Microsoft JhengHei"/>
+        <a:font script="Java" typeface="Javanese Text"/>
+        <a:font script="Lisu" typeface="Segoe UI"/>
+        <a:font script="Mymr" typeface="Myanmar Text"/>
+        <a:font script="Nkoo" typeface="Ebrima"/>
+        <a:font script="Olck" typeface="Nirmala UI"/>
+        <a:font script="Osma" typeface="Ebrima"/>
+        <a:font script="Phag" typeface="Phagspa"/>
+        <a:font script="Syrn" typeface="Estrangelo Edessa"/>
+        <a:font script="Syrj" typeface="Estrangelo Edessa"/>
+        <a:font script="Syre" typeface="Estrangelo Edessa"/>
+        <a:font script="Sora" typeface="Nirmala UI"/>
+        <a:font script="Tale" typeface="Microsoft Tai Le"/>
+        <a:font script="Talu" typeface="Microsoft New Tai Lue"/>
+        <a:font script="Tfng" typeface="Ebrima"/>
+      </a:minorFont>
+    </a:fontScheme>
+    <a:fmtScheme name="Office">
+      <a:fillStyleLst>
+        <a:solidFill>
+          <a:schemeClr val="phClr"/>
+        </a:solidFill>
+        <a:gradFill rotWithShape="1">
+          <a:gsLst>
+            <a:gs pos="0">
+              <a:schemeClr val="phClr">
+                <a:lumMod val="110000"/>
+                <a:satMod val="105000"/>
+                <a:tint val="67000"/>
+              </a:schemeClr>
+            </a:gs>
+            <a:gs pos="50000">
+              <a:schemeClr val="phClr">
+                <a:lumMod val="105000"/>
+                <a:satMod val="103000"/>
+                <a:tint val="73000"/>
+              </a:schemeClr>
+            </a:gs>
+            <a:gs pos="100000">
+              <a:schemeClr val="phClr">
+                <a:lumMod val="105000"/>
+                <a:satMod val="109000"/>
+                <a:tint val="81000"/>
+              </a:schemeClr>
+            </a:gs>
+          </a:gsLst>
+          <a:lin ang="5400000" scaled="0"/>
+        </a:gradFill>
+        <a:gradFill rotWithShape="1">
+          <a:gsLst>
+            <a:gs pos="0">
+              <a:schemeClr val="phClr">
+                <a:satMod val="103000"/>
+                <a:lumMod val="102000"/>
+                <a:tint val="94000"/>
+              </a:schemeClr>
+            </a:gs>
+            <a:gs pos="50000">
+              <a:schemeClr val="phClr">
+                <a:satMod val="110000"/>
+                <a:lumMod val="100000"/>
+                <a:shade val="100000"/>
+              </a:schemeClr>
+            </a:gs>
+            <a:gs pos="100000">
+              <a:schemeClr val="phClr">
+                <a:lumMod val="99000"/>
+                <a:satMod val="120000"/>
+                <a:shade val="78000"/>
+              </a:schemeClr>
+            </a:gs>
+          </a:gsLst>
+          <a:lin ang="5400000" scaled="0"/>
+        </a:gradFill>
+      </a:fillStyleLst>
+      <a:lnStyleLst>
+        <a:ln w="6350" cap="flat" cmpd="sng" algn="ctr">
+          <a:solidFill>
+            <a:schemeClr val="phClr"/>
+          </a:solidFill>
+          <a:prstDash val="solid"/>
+          <a:miter lim="800000"/>
+        </a:ln>
+        <a:ln w="12700" cap="flat" cmpd="sng" algn="ctr">
+          <a:solidFill>
+            <a:schemeClr val="phClr"/>
+          </a:solidFill>
+          <a:prstDash val="solid"/>
+          <a:miter lim="800000"/>
+        </a:ln>
+        <a:ln w="19050" cap="flat" cmpd="sng" algn="ctr">
+          <a:solidFill>
+            <a:schemeClr val="phClr"/>
+          </a:solidFill>
+          <a:prstDash val="solid"/>
+          <a:miter lim="800000"/>
+        </a:ln>
+      </a:lnStyleLst>
+      <a:effectStyleLst>
+        <a:effectStyle>
+          <a:effectLst/>
+        </a:effectStyle>
+        <a:effectStyle>
+          <a:effectLst/>
+        </a:effectStyle>
+        <a:effectStyle>
+          <a:effectLst>
+            <a:outerShdw blurRad="57150" dist="19050" dir="5400000" algn="ctr" rotWithShape="0">
+              <a:srgbClr val="000000">
+                <a:alpha val="63000"/>
+              </a:srgbClr>
+            </a:outerShdw>
+          </a:effectLst>
+        </a:effectStyle>
+      </a:effectStyleLst>
+      <a:bgFillStyleLst>
+        <a:solidFill>
+          <a:schemeClr val="phClr"/>
+        </a:solidFill>
+        <a:solidFill>
+          <a:schemeClr val="phClr">
+            <a:tint val="95000"/>
+            <a:satMod val="170000"/>
+          </a:schemeClr>
+        </a:solidFill>
+        <a:gradFill rotWithShape="1">
+          <a:gsLst>
+            <a:gs pos="0">
+              <a:schemeClr val="phClr">
+                <a:tint val="93000"/>
+                <a:satMod val="150000"/>
+                <a:shade val="98000"/>
+                <a:lumMod val="102000"/>
+              </a:schemeClr>
+            </a:gs>
+            <a:gs pos="50000">
+              <a:schemeClr val="phClr">
+                <a:tint val="98000"/>
+                <a:satMod val="130000"/>
+                <a:shade val="90000"/>
+                <a:lumMod val="103000"/>
+              </a:schemeClr>
+            </a:gs>
+            <a:gs pos="100000">
+              <a:schemeClr val="phClr">
+                <a:shade val="63000"/>
+                <a:satMod val="120000"/>
+              </a:schemeClr>
+            </a:gs>
+          </a:gsLst>
+          <a:lin ang="5400000" scaled="0"/>
+        </a:gradFill>
+      </a:bgFillStyleLst>
+    </a:fmtScheme>
+  </a:themeElements>
+  <a:objectDefaults/>
+  <a:extraClrSchemeLst/>
+  <a:extLst>
+    <a:ext uri="{05A4C25C-085E-4340-85A3-A5531E510DB2}">
+      <thm15:themeFamily xmlns:thm15="http://schemas.microsoft.com/office/thememl/2012/main" name="Office Theme" id="{62F939B6-93AF-4DB8-9C6B-D6C7DFDC589F}" vid="{4A3C46E8-61CC-4603-A589-7422A47A8E4A}"/>
+    </a:ext>
+  </a:extLst>
+</a:theme>
 </file>